--- a/Feedback.pptx
+++ b/Feedback.pptx
@@ -13,13 +13,13 @@
   <p:sldIdLst>
     <p:sldId id="257" r:id="rId2"/>
     <p:sldId id="258" r:id="rId3"/>
-    <p:sldId id="280" r:id="rId4"/>
-    <p:sldId id="281" r:id="rId5"/>
-    <p:sldId id="259" r:id="rId6"/>
-    <p:sldId id="261" r:id="rId7"/>
-    <p:sldId id="262" r:id="rId8"/>
-    <p:sldId id="268" r:id="rId9"/>
-    <p:sldId id="263" r:id="rId10"/>
+    <p:sldId id="281" r:id="rId4"/>
+    <p:sldId id="259" r:id="rId5"/>
+    <p:sldId id="261" r:id="rId6"/>
+    <p:sldId id="262" r:id="rId7"/>
+    <p:sldId id="268" r:id="rId8"/>
+    <p:sldId id="263" r:id="rId9"/>
+    <p:sldId id="282" r:id="rId10"/>
     <p:sldId id="267" r:id="rId11"/>
     <p:sldId id="269" r:id="rId12"/>
     <p:sldId id="265" r:id="rId13"/>
@@ -215,7 +215,7 @@
           <a:p>
             <a:fld id="{EA356784-D59E-4D6A-B4FA-F36E59DD88B1}" type="datetimeFigureOut">
               <a:rPr lang="en-IN" smtClean="0"/>
-              <a:t>10-10-2022</a:t>
+              <a:t>16-03-2023</a:t>
             </a:fld>
             <a:endParaRPr lang="en-IN"/>
           </a:p>
@@ -380,7 +380,7 @@
           <a:p>
             <a:fld id="{02E02E51-5D16-47C7-947F-72F0C537B808}" type="datetimeFigureOut">
               <a:rPr lang="en-IN" smtClean="0"/>
-              <a:t>10-10-2022</a:t>
+              <a:t>16-03-2023</a:t>
             </a:fld>
             <a:endParaRPr lang="en-IN"/>
           </a:p>
@@ -1222,7 +1222,7 @@
           <a:p>
             <a:fld id="{A26A2EF8-DE20-42F7-A9BD-EA2B260AC3A5}" type="datetime1">
               <a:rPr lang="en-IN" smtClean="0"/>
-              <a:t>10-10-2022</a:t>
+              <a:t>16-03-2023</a:t>
             </a:fld>
             <a:endParaRPr lang="en-IN"/>
           </a:p>
@@ -1448,7 +1448,7 @@
           <a:p>
             <a:fld id="{DD3E76D1-DCA2-4F32-AE81-9F0948AF8C53}" type="datetime1">
               <a:rPr lang="en-IN" smtClean="0"/>
-              <a:t>10-10-2022</a:t>
+              <a:t>16-03-2023</a:t>
             </a:fld>
             <a:endParaRPr lang="en-IN"/>
           </a:p>
@@ -1709,7 +1709,7 @@
           <a:p>
             <a:fld id="{04ADB005-2E3D-41BC-9D73-934276C3D2AB}" type="datetime1">
               <a:rPr lang="en-IN" smtClean="0"/>
-              <a:t>10-10-2022</a:t>
+              <a:t>16-03-2023</a:t>
             </a:fld>
             <a:endParaRPr lang="en-IN"/>
           </a:p>
@@ -1989,7 +1989,7 @@
           <a:p>
             <a:fld id="{234C39E7-B894-437B-8BC2-870DB2ED1B88}" type="datetime1">
               <a:rPr lang="en-IN" smtClean="0"/>
-              <a:t>10-10-2022</a:t>
+              <a:t>16-03-2023</a:t>
             </a:fld>
             <a:endParaRPr lang="en-IN"/>
           </a:p>
@@ -2232,7 +2232,7 @@
           <a:p>
             <a:fld id="{CDF5EC52-C720-4000-A582-47A37DCA43AA}" type="datetime1">
               <a:rPr lang="en-IN" smtClean="0"/>
-              <a:t>10-10-2022</a:t>
+              <a:t>16-03-2023</a:t>
             </a:fld>
             <a:endParaRPr lang="en-IN"/>
           </a:p>
@@ -2685,7 +2685,7 @@
           <a:p>
             <a:fld id="{EDCBBD27-F186-4941-B095-28418B72E876}" type="datetime1">
               <a:rPr lang="en-IN" smtClean="0"/>
-              <a:t>10-10-2022</a:t>
+              <a:t>16-03-2023</a:t>
             </a:fld>
             <a:endParaRPr lang="en-IN"/>
           </a:p>
@@ -2894,7 +2894,7 @@
           <a:p>
             <a:fld id="{1840DB68-5EB6-45CB-82F3-37E85B95C0AD}" type="datetime1">
               <a:rPr lang="en-IN" smtClean="0"/>
-              <a:t>10-10-2022</a:t>
+              <a:t>16-03-2023</a:t>
             </a:fld>
             <a:endParaRPr lang="en-IN"/>
           </a:p>
@@ -3103,7 +3103,7 @@
           <a:p>
             <a:fld id="{7A7C3D6F-9AA5-4546-BF28-226FCBFE08FF}" type="datetime1">
               <a:rPr lang="en-IN" smtClean="0"/>
-              <a:t>10-10-2022</a:t>
+              <a:t>16-03-2023</a:t>
             </a:fld>
             <a:endParaRPr lang="en-IN"/>
           </a:p>
@@ -3414,7 +3414,7 @@
           <a:p>
             <a:fld id="{7A5B77F8-8600-4DD3-BF26-CA11CA162D17}" type="datetime1">
               <a:rPr lang="en-IN" smtClean="0"/>
-              <a:t>10-10-2022</a:t>
+              <a:t>16-03-2023</a:t>
             </a:fld>
             <a:endParaRPr lang="en-IN"/>
           </a:p>
@@ -3664,7 +3664,7 @@
           <a:p>
             <a:fld id="{D3532BB8-FB68-4FD6-910E-036F28666962}" type="datetime1">
               <a:rPr lang="en-IN" smtClean="0"/>
-              <a:t>10-10-2022</a:t>
+              <a:t>16-03-2023</a:t>
             </a:fld>
             <a:endParaRPr lang="en-IN"/>
           </a:p>
@@ -4082,7 +4082,12 @@
             <p:ph type="title"/>
           </p:nvPr>
         </p:nvSpPr>
-        <p:spPr/>
+        <p:spPr>
+          <a:xfrm>
+            <a:off x="858157" y="2329162"/>
+            <a:ext cx="10515600" cy="1325563"/>
+          </a:xfrm>
+        </p:spPr>
         <p:txBody>
           <a:bodyPr>
             <a:normAutofit/>
@@ -4091,7 +4096,7 @@
           <a:p>
             <a:r>
               <a:rPr lang="en-IN" sz="4800" dirty="0"/>
-              <a:t>Student Feedback System</a:t>
+              <a:t>Feedback System</a:t>
             </a:r>
           </a:p>
         </p:txBody>
@@ -4275,6 +4280,42 @@
           <a:chExt cx="0" cy="0"/>
         </a:xfrm>
       </p:grpSpPr>
+      <p:pic>
+        <p:nvPicPr>
+          <p:cNvPr id="7" name="Picture 6">
+            <a:extLst>
+              <a:ext uri="{FF2B5EF4-FFF2-40B4-BE49-F238E27FC236}">
+                <a16:creationId xmlns:a16="http://schemas.microsoft.com/office/drawing/2014/main" id="{10C2FA79-158F-5065-C311-69ECEC742037}"/>
+              </a:ext>
+            </a:extLst>
+          </p:cNvPr>
+          <p:cNvPicPr>
+            <a:picLocks noChangeAspect="1"/>
+          </p:cNvPicPr>
+          <p:nvPr/>
+        </p:nvPicPr>
+        <p:blipFill>
+          <a:blip r:embed="rId2">
+            <a:extLst>
+              <a:ext uri="{28A0092B-C50C-407E-A947-70E740481C1C}">
+                <a14:useLocalDpi xmlns:a14="http://schemas.microsoft.com/office/drawing/2010/main" val="0"/>
+              </a:ext>
+            </a:extLst>
+          </a:blip>
+          <a:stretch>
+            <a:fillRect/>
+          </a:stretch>
+        </p:blipFill>
+        <p:spPr>
+          <a:xfrm>
+            <a:off x="3581400" y="4680761"/>
+            <a:ext cx="2133600" cy="2133600"/>
+          </a:xfrm>
+          <a:prstGeom prst="rect">
+            <a:avLst/>
+          </a:prstGeom>
+        </p:spPr>
+      </p:pic>
       <p:sp>
         <p:nvSpPr>
           <p:cNvPr id="2" name="Title 1"/>
@@ -4314,7 +4355,7 @@
           <a:p>
             <a:fld id="{04ADB005-2E3D-41BC-9D73-934276C3D2AB}" type="datetime1">
               <a:rPr lang="en-IN" smtClean="0"/>
-              <a:t>10-10-2022</a:t>
+              <a:t>16-03-2023</a:t>
             </a:fld>
             <a:endParaRPr lang="en-IN"/>
           </a:p>
@@ -4337,7 +4378,7 @@
           <a:p>
             <a:r>
               <a:rPr lang="en-IN" dirty="0"/>
-              <a:t>Student Feedback System</a:t>
+              <a:t>Feedback System</a:t>
             </a:r>
           </a:p>
         </p:txBody>
@@ -4380,7 +4421,7 @@
           <p:nvPr/>
         </p:nvPicPr>
         <p:blipFill rotWithShape="1">
-          <a:blip r:embed="rId2" cstate="print">
+          <a:blip r:embed="rId3" cstate="print">
             <a:extLst>
               <a:ext uri="{28A0092B-C50C-407E-A947-70E740481C1C}">
                 <a14:useLocalDpi xmlns:a14="http://schemas.microsoft.com/office/drawing/2010/main" val="0"/>
@@ -4425,7 +4466,7 @@
           <p:nvPr/>
         </p:nvPicPr>
         <p:blipFill rotWithShape="1">
-          <a:blip r:embed="rId2" cstate="print">
+          <a:blip r:embed="rId3" cstate="print">
             <a:extLst>
               <a:ext uri="{28A0092B-C50C-407E-A947-70E740481C1C}">
                 <a14:useLocalDpi xmlns:a14="http://schemas.microsoft.com/office/drawing/2010/main" val="0"/>
@@ -4437,7 +4478,7 @@
         </p:blipFill>
         <p:spPr bwMode="auto">
           <a:xfrm>
-            <a:off x="4308561" y="1956991"/>
+            <a:off x="5249857" y="1956991"/>
             <a:ext cx="1381102" cy="1571402"/>
           </a:xfrm>
           <a:prstGeom prst="rect">
@@ -4470,7 +4511,7 @@
           <p:nvPr/>
         </p:nvPicPr>
         <p:blipFill rotWithShape="1">
-          <a:blip r:embed="rId3">
+          <a:blip r:embed="rId4">
             <a:extLst>
               <a:ext uri="{28A0092B-C50C-407E-A947-70E740481C1C}">
                 <a14:useLocalDpi xmlns:a14="http://schemas.microsoft.com/office/drawing/2010/main" val="0"/>
@@ -4482,7 +4523,7 @@
         </p:blipFill>
         <p:spPr bwMode="auto">
           <a:xfrm>
-            <a:off x="6205788" y="1956991"/>
+            <a:off x="8231812" y="1956991"/>
             <a:ext cx="1362438" cy="1571401"/>
           </a:xfrm>
           <a:prstGeom prst="rect">
@@ -4514,7 +4555,7 @@
         </p:nvSpPr>
         <p:spPr>
           <a:xfrm>
-            <a:off x="6557105" y="1476105"/>
+            <a:off x="8502450" y="1476105"/>
             <a:ext cx="708399" cy="541231"/>
           </a:xfrm>
           <a:prstGeom prst="rect">
@@ -4556,7 +4597,7 @@
         </p:nvSpPr>
         <p:spPr>
           <a:xfrm>
-            <a:off x="4438362" y="1477690"/>
+            <a:off x="5343799" y="1477690"/>
             <a:ext cx="1092807" cy="523220"/>
           </a:xfrm>
           <a:prstGeom prst="rect">
@@ -4595,7 +4636,7 @@
         </p:nvSpPr>
         <p:spPr>
           <a:xfrm>
-            <a:off x="2358198" y="1476105"/>
+            <a:off x="4174089" y="4332542"/>
             <a:ext cx="1381102" cy="523220"/>
           </a:xfrm>
           <a:prstGeom prst="rect">
@@ -4614,95 +4655,9 @@
                 <a:latin typeface="Arial Black" panose="020B0A04020102020204" pitchFamily="34" charset="0"/>
                 <a:cs typeface="Arial" panose="020B0604020202020204" pitchFamily="34" charset="0"/>
               </a:rPr>
-              <a:t>HTML</a:t>
+              <a:t>PHP</a:t>
             </a:r>
             <a:endParaRPr lang="en-GB" sz="2800" dirty="0"/>
-          </a:p>
-        </p:txBody>
-      </p:sp>
-      <p:pic>
-        <p:nvPicPr>
-          <p:cNvPr id="1032" name="Picture 8">
-            <a:extLst>
-              <a:ext uri="{FF2B5EF4-FFF2-40B4-BE49-F238E27FC236}">
-                <a16:creationId xmlns:a16="http://schemas.microsoft.com/office/drawing/2014/main" id="{027A4D03-0B29-5CBC-7CDE-827E8836719C}"/>
-              </a:ext>
-            </a:extLst>
-          </p:cNvPr>
-          <p:cNvPicPr>
-            <a:picLocks noChangeAspect="1" noChangeArrowheads="1"/>
-          </p:cNvPicPr>
-          <p:nvPr/>
-        </p:nvPicPr>
-        <p:blipFill>
-          <a:blip r:embed="rId4" cstate="print">
-            <a:extLst>
-              <a:ext uri="{28A0092B-C50C-407E-A947-70E740481C1C}">
-                <a14:useLocalDpi xmlns:a14="http://schemas.microsoft.com/office/drawing/2010/main" val="0"/>
-              </a:ext>
-            </a:extLst>
-          </a:blip>
-          <a:srcRect/>
-          <a:stretch>
-            <a:fillRect/>
-          </a:stretch>
-        </p:blipFill>
-        <p:spPr bwMode="auto">
-          <a:xfrm>
-            <a:off x="8213034" y="2050309"/>
-            <a:ext cx="1680564" cy="1461360"/>
-          </a:xfrm>
-          <a:prstGeom prst="rect">
-            <a:avLst/>
-          </a:prstGeom>
-          <a:noFill/>
-          <a:extLst>
-            <a:ext uri="{909E8E84-426E-40DD-AFC4-6F175D3DCCD1}">
-              <a14:hiddenFill xmlns:a14="http://schemas.microsoft.com/office/drawing/2010/main">
-                <a:solidFill>
-                  <a:srgbClr val="FFFFFF"/>
-                </a:solidFill>
-              </a14:hiddenFill>
-            </a:ext>
-          </a:extLst>
-        </p:spPr>
-      </p:pic>
-      <p:sp>
-        <p:nvSpPr>
-          <p:cNvPr id="15" name="TextBox 14">
-            <a:extLst>
-              <a:ext uri="{FF2B5EF4-FFF2-40B4-BE49-F238E27FC236}">
-                <a16:creationId xmlns:a16="http://schemas.microsoft.com/office/drawing/2014/main" id="{483E410A-6F9E-E35A-E541-62D250CD2C87}"/>
-              </a:ext>
-            </a:extLst>
-          </p:cNvPr>
-          <p:cNvSpPr txBox="1"/>
-          <p:nvPr/>
-        </p:nvSpPr>
-        <p:spPr>
-          <a:xfrm>
-            <a:off x="7912566" y="1491494"/>
-            <a:ext cx="2252207" cy="492443"/>
-          </a:xfrm>
-          <a:prstGeom prst="rect">
-            <a:avLst/>
-          </a:prstGeom>
-          <a:noFill/>
-        </p:spPr>
-        <p:txBody>
-          <a:bodyPr wrap="square" rtlCol="0">
-            <a:spAutoFit/>
-          </a:bodyPr>
-          <a:lstStyle/>
-          <a:p>
-            <a:pPr algn="ctr"/>
-            <a:r>
-              <a:rPr lang="en-GB" sz="2600" dirty="0">
-                <a:latin typeface="Arial Black" panose="020B0A04020102020204" pitchFamily="34" charset="0"/>
-                <a:cs typeface="Arial" panose="020B0604020202020204" pitchFamily="34" charset="0"/>
-              </a:rPr>
-              <a:t>React JS</a:t>
-            </a:r>
           </a:p>
         </p:txBody>
       </p:sp>
@@ -4763,7 +4718,7 @@
         <p:spPr>
           <a:xfrm>
             <a:off x="231174" y="4484843"/>
-            <a:ext cx="1624135" cy="1077218"/>
+            <a:ext cx="2463737" cy="1077218"/>
           </a:xfrm>
           <a:prstGeom prst="rect">
             <a:avLst/>
@@ -4777,11 +4732,18 @@
           <a:lstStyle/>
           <a:p>
             <a:r>
+              <a:rPr lang="en-GB" sz="3200" b="1" u="sng" dirty="0" err="1">
+                <a:latin typeface="Arial Black" panose="020B0A04020102020204" pitchFamily="34" charset="0"/>
+                <a:cs typeface="Arial" panose="020B0604020202020204" pitchFamily="34" charset="0"/>
+              </a:rPr>
+              <a:t>BackEnd</a:t>
+            </a:r>
+            <a:r>
               <a:rPr lang="en-GB" sz="3200" b="1" u="sng" dirty="0">
                 <a:latin typeface="Arial Black" panose="020B0A04020102020204" pitchFamily="34" charset="0"/>
                 <a:cs typeface="Arial" panose="020B0604020202020204" pitchFamily="34" charset="0"/>
               </a:rPr>
-              <a:t>Back-End:</a:t>
+              <a:t> &amp;</a:t>
             </a:r>
             <a:endParaRPr lang="en-GB" sz="2400" b="1" u="sng" dirty="0">
               <a:latin typeface="Arial Black" panose="020B0A04020102020204" pitchFamily="34" charset="0"/>
@@ -4790,17 +4752,136 @@
           </a:p>
         </p:txBody>
       </p:sp>
+      <p:sp>
+        <p:nvSpPr>
+          <p:cNvPr id="19" name="TextBox 18">
+            <a:extLst>
+              <a:ext uri="{FF2B5EF4-FFF2-40B4-BE49-F238E27FC236}">
+                <a16:creationId xmlns:a16="http://schemas.microsoft.com/office/drawing/2014/main" id="{15171263-7633-FACE-8C54-FF2B4AB7AB9E}"/>
+              </a:ext>
+            </a:extLst>
+          </p:cNvPr>
+          <p:cNvSpPr txBox="1"/>
+          <p:nvPr/>
+        </p:nvSpPr>
+        <p:spPr>
+          <a:xfrm>
+            <a:off x="231173" y="5557040"/>
+            <a:ext cx="2463737" cy="584775"/>
+          </a:xfrm>
+          <a:prstGeom prst="rect">
+            <a:avLst/>
+          </a:prstGeom>
+          <a:noFill/>
+        </p:spPr>
+        <p:txBody>
+          <a:bodyPr wrap="square" rtlCol="0">
+            <a:spAutoFit/>
+          </a:bodyPr>
+          <a:lstStyle/>
+          <a:p>
+            <a:r>
+              <a:rPr lang="en-GB" sz="3200" b="1" u="sng" dirty="0">
+                <a:latin typeface="Arial Black" panose="020B0A04020102020204" pitchFamily="34" charset="0"/>
+                <a:cs typeface="Arial" panose="020B0604020202020204" pitchFamily="34" charset="0"/>
+              </a:rPr>
+              <a:t>Database:</a:t>
+            </a:r>
+            <a:endParaRPr lang="en-GB" sz="2400" b="1" u="sng" dirty="0">
+              <a:latin typeface="Arial Black" panose="020B0A04020102020204" pitchFamily="34" charset="0"/>
+              <a:cs typeface="Arial" panose="020B0604020202020204" pitchFamily="34" charset="0"/>
+            </a:endParaRPr>
+          </a:p>
+        </p:txBody>
+      </p:sp>
+      <p:sp>
+        <p:nvSpPr>
+          <p:cNvPr id="8" name="TextBox 7">
+            <a:extLst>
+              <a:ext uri="{FF2B5EF4-FFF2-40B4-BE49-F238E27FC236}">
+                <a16:creationId xmlns:a16="http://schemas.microsoft.com/office/drawing/2014/main" id="{A61A0438-56B0-64D9-5424-4599B39A0291}"/>
+              </a:ext>
+            </a:extLst>
+          </p:cNvPr>
+          <p:cNvSpPr txBox="1"/>
+          <p:nvPr/>
+        </p:nvSpPr>
+        <p:spPr>
+          <a:xfrm>
+            <a:off x="2510598" y="1628505"/>
+            <a:ext cx="1381102" cy="523220"/>
+          </a:xfrm>
+          <a:prstGeom prst="rect">
+            <a:avLst/>
+          </a:prstGeom>
+          <a:noFill/>
+        </p:spPr>
+        <p:txBody>
+          <a:bodyPr wrap="square">
+            <a:spAutoFit/>
+          </a:bodyPr>
+          <a:lstStyle/>
+          <a:p>
+            <a:r>
+              <a:rPr lang="en-GB" sz="2800" dirty="0">
+                <a:latin typeface="Arial Black" panose="020B0A04020102020204" pitchFamily="34" charset="0"/>
+                <a:cs typeface="Arial" panose="020B0604020202020204" pitchFamily="34" charset="0"/>
+              </a:rPr>
+              <a:t>HTML</a:t>
+            </a:r>
+            <a:endParaRPr lang="en-GB" sz="2800" dirty="0"/>
+          </a:p>
+        </p:txBody>
+      </p:sp>
+      <p:sp>
+        <p:nvSpPr>
+          <p:cNvPr id="12" name="TextBox 11">
+            <a:extLst>
+              <a:ext uri="{FF2B5EF4-FFF2-40B4-BE49-F238E27FC236}">
+                <a16:creationId xmlns:a16="http://schemas.microsoft.com/office/drawing/2014/main" id="{EDFF89D6-12B7-B1E5-F62A-4B8CBE85BE67}"/>
+              </a:ext>
+            </a:extLst>
+          </p:cNvPr>
+          <p:cNvSpPr txBox="1"/>
+          <p:nvPr/>
+        </p:nvSpPr>
+        <p:spPr>
+          <a:xfrm>
+            <a:off x="7586085" y="4366332"/>
+            <a:ext cx="1624763" cy="523220"/>
+          </a:xfrm>
+          <a:prstGeom prst="rect">
+            <a:avLst/>
+          </a:prstGeom>
+          <a:noFill/>
+        </p:spPr>
+        <p:txBody>
+          <a:bodyPr wrap="square">
+            <a:spAutoFit/>
+          </a:bodyPr>
+          <a:lstStyle/>
+          <a:p>
+            <a:r>
+              <a:rPr lang="en-GB" sz="2800" dirty="0">
+                <a:latin typeface="Arial Black" panose="020B0A04020102020204" pitchFamily="34" charset="0"/>
+                <a:cs typeface="Arial" panose="020B0604020202020204" pitchFamily="34" charset="0"/>
+              </a:rPr>
+              <a:t>MYSQL</a:t>
+            </a:r>
+          </a:p>
+        </p:txBody>
+      </p:sp>
       <p:pic>
         <p:nvPicPr>
-          <p:cNvPr id="1034" name="Picture 10">
+          <p:cNvPr id="9" name="Picture 8">
             <a:extLst>
               <a:ext uri="{FF2B5EF4-FFF2-40B4-BE49-F238E27FC236}">
-                <a16:creationId xmlns:a16="http://schemas.microsoft.com/office/drawing/2014/main" id="{F26E4803-E9F8-8475-B46D-D9F14B51F0F9}"/>
+                <a16:creationId xmlns:a16="http://schemas.microsoft.com/office/drawing/2014/main" id="{1386050B-4232-0AE3-2B74-6D428C8207DD}"/>
               </a:ext>
             </a:extLst>
           </p:cNvPr>
           <p:cNvPicPr>
-            <a:picLocks noChangeAspect="1" noChangeArrowheads="1"/>
+            <a:picLocks noChangeAspect="1"/>
           </p:cNvPicPr>
           <p:nvPr/>
         </p:nvPicPr>
@@ -4812,211 +4893,20 @@
               </a:ext>
             </a:extLst>
           </a:blip>
-          <a:srcRect/>
           <a:stretch>
             <a:fillRect/>
           </a:stretch>
         </p:blipFill>
-        <p:spPr bwMode="auto">
-          <a:xfrm>
-            <a:off x="2209800" y="4589449"/>
-            <a:ext cx="2585676" cy="1581722"/>
+        <p:spPr>
+          <a:xfrm>
+            <a:off x="7492447" y="4855762"/>
+            <a:ext cx="2236306" cy="1157463"/>
           </a:xfrm>
           <a:prstGeom prst="rect">
             <a:avLst/>
           </a:prstGeom>
-          <a:noFill/>
-          <a:extLst>
-            <a:ext uri="{909E8E84-426E-40DD-AFC4-6F175D3DCCD1}">
-              <a14:hiddenFill xmlns:a14="http://schemas.microsoft.com/office/drawing/2010/main">
-                <a:solidFill>
-                  <a:srgbClr val="FFFFFF"/>
-                </a:solidFill>
-              </a14:hiddenFill>
-            </a:ext>
-          </a:extLst>
         </p:spPr>
       </p:pic>
-      <p:sp>
-        <p:nvSpPr>
-          <p:cNvPr id="18" name="TextBox 17">
-            <a:extLst>
-              <a:ext uri="{FF2B5EF4-FFF2-40B4-BE49-F238E27FC236}">
-                <a16:creationId xmlns:a16="http://schemas.microsoft.com/office/drawing/2014/main" id="{6BF71519-C3CC-36D1-BCB6-074DC1D9E818}"/>
-              </a:ext>
-            </a:extLst>
-          </p:cNvPr>
-          <p:cNvSpPr txBox="1"/>
-          <p:nvPr/>
-        </p:nvSpPr>
-        <p:spPr>
-          <a:xfrm>
-            <a:off x="2616961" y="4047296"/>
-            <a:ext cx="1869243" cy="523220"/>
-          </a:xfrm>
-          <a:prstGeom prst="rect">
-            <a:avLst/>
-          </a:prstGeom>
-          <a:noFill/>
-        </p:spPr>
-        <p:txBody>
-          <a:bodyPr wrap="square">
-            <a:spAutoFit/>
-          </a:bodyPr>
-          <a:lstStyle/>
-          <a:p>
-            <a:r>
-              <a:rPr lang="en-GB" sz="2800" dirty="0">
-                <a:latin typeface="Arial Black" panose="020B0A04020102020204" pitchFamily="34" charset="0"/>
-                <a:cs typeface="Arial" panose="020B0604020202020204" pitchFamily="34" charset="0"/>
-              </a:rPr>
-              <a:t>Node JS</a:t>
-            </a:r>
-            <a:endParaRPr lang="en-GB" sz="2800" dirty="0"/>
-          </a:p>
-        </p:txBody>
-      </p:sp>
-      <p:sp>
-        <p:nvSpPr>
-          <p:cNvPr id="19" name="TextBox 18">
-            <a:extLst>
-              <a:ext uri="{FF2B5EF4-FFF2-40B4-BE49-F238E27FC236}">
-                <a16:creationId xmlns:a16="http://schemas.microsoft.com/office/drawing/2014/main" id="{15171263-7633-FACE-8C54-FF2B4AB7AB9E}"/>
-              </a:ext>
-            </a:extLst>
-          </p:cNvPr>
-          <p:cNvSpPr txBox="1"/>
-          <p:nvPr/>
-        </p:nvSpPr>
-        <p:spPr>
-          <a:xfrm>
-            <a:off x="5749297" y="4883261"/>
-            <a:ext cx="2463737" cy="584775"/>
-          </a:xfrm>
-          <a:prstGeom prst="rect">
-            <a:avLst/>
-          </a:prstGeom>
-          <a:noFill/>
-        </p:spPr>
-        <p:txBody>
-          <a:bodyPr wrap="square" rtlCol="0">
-            <a:spAutoFit/>
-          </a:bodyPr>
-          <a:lstStyle/>
-          <a:p>
-            <a:r>
-              <a:rPr lang="en-GB" sz="3200" b="1" u="sng" dirty="0">
-                <a:latin typeface="Arial Black" panose="020B0A04020102020204" pitchFamily="34" charset="0"/>
-                <a:cs typeface="Arial" panose="020B0604020202020204" pitchFamily="34" charset="0"/>
-              </a:rPr>
-              <a:t>Database:</a:t>
-            </a:r>
-            <a:endParaRPr lang="en-GB" sz="2400" b="1" u="sng" dirty="0">
-              <a:latin typeface="Arial Black" panose="020B0A04020102020204" pitchFamily="34" charset="0"/>
-              <a:cs typeface="Arial" panose="020B0604020202020204" pitchFamily="34" charset="0"/>
-            </a:endParaRPr>
-          </a:p>
-        </p:txBody>
-      </p:sp>
-      <p:pic>
-        <p:nvPicPr>
-          <p:cNvPr id="1036" name="Picture 12" descr="MongoDB Monitoring - Discover all our service models ...">
-            <a:extLst>
-              <a:ext uri="{FF2B5EF4-FFF2-40B4-BE49-F238E27FC236}">
-                <a16:creationId xmlns:a16="http://schemas.microsoft.com/office/drawing/2014/main" id="{7B28E784-FD9F-5479-8B35-4FE03B928784}"/>
-              </a:ext>
-            </a:extLst>
-          </p:cNvPr>
-          <p:cNvPicPr>
-            <a:picLocks noChangeAspect="1" noChangeArrowheads="1"/>
-          </p:cNvPicPr>
-          <p:nvPr/>
-        </p:nvPicPr>
-        <p:blipFill>
-          <a:blip r:embed="rId6">
-            <a:clrChange>
-              <a:clrFrom>
-                <a:srgbClr val="FFFFFF"/>
-              </a:clrFrom>
-              <a:clrTo>
-                <a:srgbClr val="FFFFFF">
-                  <a:alpha val="0"/>
-                </a:srgbClr>
-              </a:clrTo>
-            </a:clrChange>
-            <a:extLst>
-              <a:ext uri="{28A0092B-C50C-407E-A947-70E740481C1C}">
-                <a14:useLocalDpi xmlns:a14="http://schemas.microsoft.com/office/drawing/2010/main" val="0"/>
-              </a:ext>
-            </a:extLst>
-          </a:blip>
-          <a:srcRect/>
-          <a:stretch>
-            <a:fillRect/>
-          </a:stretch>
-        </p:blipFill>
-        <p:spPr bwMode="auto">
-          <a:xfrm>
-            <a:off x="8213034" y="4484843"/>
-            <a:ext cx="1966386" cy="1966386"/>
-          </a:xfrm>
-          <a:prstGeom prst="rect">
-            <a:avLst/>
-          </a:prstGeom>
-          <a:noFill/>
-          <a:extLst>
-            <a:ext uri="{909E8E84-426E-40DD-AFC4-6F175D3DCCD1}">
-              <a14:hiddenFill xmlns:a14="http://schemas.microsoft.com/office/drawing/2010/main">
-                <a:solidFill>
-                  <a:srgbClr val="FFFFFF"/>
-                </a:solidFill>
-              </a14:hiddenFill>
-            </a:ext>
-          </a:extLst>
-        </p:spPr>
-      </p:pic>
-      <p:sp>
-        <p:nvSpPr>
-          <p:cNvPr id="20" name="TextBox 19">
-            <a:extLst>
-              <a:ext uri="{FF2B5EF4-FFF2-40B4-BE49-F238E27FC236}">
-                <a16:creationId xmlns:a16="http://schemas.microsoft.com/office/drawing/2014/main" id="{B153AE45-006B-B53F-8126-53C6AB2290A3}"/>
-              </a:ext>
-            </a:extLst>
-          </p:cNvPr>
-          <p:cNvSpPr txBox="1"/>
-          <p:nvPr/>
-        </p:nvSpPr>
-        <p:spPr>
-          <a:xfrm>
-            <a:off x="8128238" y="4047296"/>
-            <a:ext cx="2135978" cy="523220"/>
-          </a:xfrm>
-          <a:prstGeom prst="rect">
-            <a:avLst/>
-          </a:prstGeom>
-          <a:noFill/>
-        </p:spPr>
-        <p:txBody>
-          <a:bodyPr wrap="square" rtlCol="0">
-            <a:spAutoFit/>
-          </a:bodyPr>
-          <a:lstStyle/>
-          <a:p>
-            <a:r>
-              <a:rPr lang="en-GB" sz="2800" dirty="0">
-                <a:latin typeface="Arial Black" panose="020B0A04020102020204" pitchFamily="34" charset="0"/>
-                <a:cs typeface="Arial" panose="020B0604020202020204" pitchFamily="34" charset="0"/>
-              </a:rPr>
-              <a:t>Mongo Db</a:t>
-            </a:r>
-            <a:endParaRPr lang="en-GB" sz="2400" dirty="0">
-              <a:latin typeface="Arial Black" panose="020B0A04020102020204" pitchFamily="34" charset="0"/>
-              <a:cs typeface="Arial" panose="020B0604020202020204" pitchFamily="34" charset="0"/>
-            </a:endParaRPr>
-          </a:p>
-        </p:txBody>
-      </p:sp>
     </p:spTree>
     <p:extLst>
       <p:ext uri="{BB962C8B-B14F-4D97-AF65-F5344CB8AC3E}">
@@ -5124,7 +5014,7 @@
           <a:p>
             <a:fld id="{04ADB005-2E3D-41BC-9D73-934276C3D2AB}" type="datetime1">
               <a:rPr lang="en-IN" smtClean="0"/>
-              <a:t>10-10-2022</a:t>
+              <a:t>16-03-2023</a:t>
             </a:fld>
             <a:endParaRPr lang="en-IN"/>
           </a:p>
@@ -5147,7 +5037,7 @@
           <a:p>
             <a:r>
               <a:rPr lang="en-IN" dirty="0"/>
-              <a:t>Student Feedback System</a:t>
+              <a:t>Feedback System</a:t>
             </a:r>
           </a:p>
         </p:txBody>
@@ -5374,7 +5264,7 @@
           <a:p>
             <a:fld id="{04ADB005-2E3D-41BC-9D73-934276C3D2AB}" type="datetime1">
               <a:rPr lang="en-IN" smtClean="0"/>
-              <a:t>10-10-2022</a:t>
+              <a:t>16-03-2023</a:t>
             </a:fld>
             <a:endParaRPr lang="en-IN"/>
           </a:p>
@@ -5397,7 +5287,7 @@
           <a:p>
             <a:r>
               <a:rPr lang="en-IN" dirty="0"/>
-              <a:t>Student Feedback System</a:t>
+              <a:t>Feedback System</a:t>
             </a:r>
           </a:p>
         </p:txBody>
@@ -5502,7 +5392,7 @@
           <a:p>
             <a:fld id="{04ADB005-2E3D-41BC-9D73-934276C3D2AB}" type="datetime1">
               <a:rPr lang="en-IN" smtClean="0"/>
-              <a:t>10-10-2022</a:t>
+              <a:t>16-03-2023</a:t>
             </a:fld>
             <a:endParaRPr lang="en-IN"/>
           </a:p>
@@ -5524,8 +5414,12 @@
           <a:lstStyle/>
           <a:p>
             <a:r>
+              <a:rPr lang="en-IN"/>
+              <a:t>Feedback </a:t>
+            </a:r>
+            <a:r>
               <a:rPr lang="en-IN" dirty="0"/>
-              <a:t>Student Feedback System</a:t>
+              <a:t>System</a:t>
             </a:r>
           </a:p>
         </p:txBody>
@@ -5631,18 +5525,51 @@
             </a:pPr>
             <a:r>
               <a:rPr lang="en-IN" dirty="0"/>
-              <a:t>What is student feedback system?</a:t>
+              <a:t>What is feedback system?</a:t>
             </a:r>
           </a:p>
           <a:p>
             <a:pPr lvl="1" algn="just"/>
             <a:r>
               <a:rPr lang="en-GB" sz="2600" dirty="0"/>
-              <a:t>Student Feedback System is used for taking feedbacks, managing records, improving the existing feedback gathering systems, decreases faculty load.</a:t>
-            </a:r>
-          </a:p>
-          <a:p>
-            <a:pPr algn="just"/>
+              <a:t>Feedback System is used for taking feedbacks, managing records, improving the existing feedback gathering systems, decreases faculty load.</a:t>
+            </a:r>
+          </a:p>
+          <a:p>
+            <a:pPr>
+              <a:buFont typeface="Wingdings" panose="05000000000000000000" pitchFamily="2" charset="2"/>
+              <a:buChar char="§"/>
+            </a:pPr>
+            <a:r>
+              <a:rPr lang="en-IN" dirty="0"/>
+              <a:t>Problems faced due to previous system:</a:t>
+            </a:r>
+          </a:p>
+          <a:p>
+            <a:pPr lvl="1"/>
+            <a:r>
+              <a:rPr lang="en-GB" sz="2600" dirty="0"/>
+              <a:t>Manual work / calculations.</a:t>
+            </a:r>
+          </a:p>
+          <a:p>
+            <a:pPr lvl="1"/>
+            <a:r>
+              <a:rPr lang="en-GB" sz="2600" dirty="0"/>
+              <a:t>Current system is inappropriate for analytics.</a:t>
+            </a:r>
+          </a:p>
+          <a:p>
+            <a:pPr lvl="1"/>
+            <a:r>
+              <a:rPr lang="en-GB" sz="2600" dirty="0"/>
+              <a:t>Student’s credentials are visible to the faculties after their responses.</a:t>
+            </a:r>
+          </a:p>
+          <a:p>
+            <a:pPr marL="0" indent="0" algn="just">
+              <a:buNone/>
+            </a:pPr>
             <a:endParaRPr lang="en-IN" dirty="0"/>
           </a:p>
         </p:txBody>
@@ -5664,7 +5591,7 @@
           <a:p>
             <a:fld id="{B27B51CC-79A5-4BB6-9E6A-842B6AF22441}" type="datetime1">
               <a:rPr lang="en-IN" smtClean="0"/>
-              <a:t>10-10-2022</a:t>
+              <a:t>16-03-2023</a:t>
             </a:fld>
             <a:endParaRPr lang="en-IN"/>
           </a:p>
@@ -5687,7 +5614,7 @@
           <a:p>
             <a:r>
               <a:rPr lang="en-IN" dirty="0"/>
-              <a:t>Student Feedback System</a:t>
+              <a:t>Feedback System</a:t>
             </a:r>
           </a:p>
         </p:txBody>
@@ -5780,46 +5707,148 @@
         <p:spPr>
           <a:xfrm>
             <a:off x="838200" y="1490919"/>
-            <a:ext cx="10515600" cy="4641524"/>
-          </a:xfrm>
-        </p:spPr>
-        <p:txBody>
-          <a:bodyPr/>
-          <a:lstStyle/>
-          <a:p>
-            <a:pPr>
+            <a:ext cx="10515600" cy="4651464"/>
+          </a:xfrm>
+        </p:spPr>
+        <p:txBody>
+          <a:bodyPr>
+            <a:normAutofit/>
+          </a:bodyPr>
+          <a:lstStyle/>
+          <a:p>
+            <a:pPr algn="just">
               <a:buFont typeface="Wingdings" panose="05000000000000000000" pitchFamily="2" charset="2"/>
               <a:buChar char="§"/>
             </a:pPr>
             <a:r>
               <a:rPr lang="en-IN" dirty="0"/>
-              <a:t>Problems faced due to previous system:</a:t>
-            </a:r>
-          </a:p>
-          <a:p>
-            <a:pPr lvl="1"/>
-            <a:r>
-              <a:rPr lang="en-GB" sz="2600" dirty="0"/>
-              <a:t>Manual work / calculations.</a:t>
-            </a:r>
-          </a:p>
-          <a:p>
-            <a:pPr lvl="1"/>
-            <a:r>
-              <a:rPr lang="en-GB" sz="2600" dirty="0"/>
-              <a:t>Current system is inappropriate for analytics.</a:t>
-            </a:r>
-          </a:p>
-          <a:p>
-            <a:pPr lvl="1"/>
-            <a:r>
-              <a:rPr lang="en-GB" sz="2600" dirty="0"/>
-              <a:t>Student’s credentials are visible to the faculties after their responses.</a:t>
-            </a:r>
-          </a:p>
-          <a:p>
-            <a:pPr lvl="1"/>
-            <a:endParaRPr lang="en-IN" dirty="0"/>
+              <a:t>Why is feedback system?</a:t>
+            </a:r>
+          </a:p>
+          <a:p>
+            <a:pPr lvl="1" algn="just"/>
+            <a:r>
+              <a:rPr lang="en-GB" dirty="0"/>
+              <a:t>It would be </a:t>
+            </a:r>
+            <a:r>
+              <a:rPr lang="en-GB" b="1" dirty="0"/>
+              <a:t>more accurate</a:t>
+            </a:r>
+            <a:r>
+              <a:rPr lang="en-GB" dirty="0"/>
+              <a:t>/error free as there would be automatic calculations rather than manual.</a:t>
+            </a:r>
+          </a:p>
+          <a:p>
+            <a:pPr lvl="1" algn="just"/>
+            <a:r>
+              <a:rPr lang="en-GB" b="1" dirty="0"/>
+              <a:t>Anonymously response </a:t>
+            </a:r>
+            <a:r>
+              <a:rPr lang="en-GB" dirty="0"/>
+              <a:t>facility would be provided to the students. </a:t>
+            </a:r>
+          </a:p>
+          <a:p>
+            <a:pPr lvl="1" algn="just"/>
+            <a:r>
+              <a:rPr lang="en-GB" dirty="0"/>
+              <a:t>The system also reduces the </a:t>
+            </a:r>
+            <a:r>
+              <a:rPr lang="en-GB" b="1" dirty="0"/>
+              <a:t>burden of efforts </a:t>
+            </a:r>
+            <a:r>
+              <a:rPr lang="en-GB" dirty="0"/>
+              <a:t>and keeping or maintaining the records on a manual base.</a:t>
+            </a:r>
+          </a:p>
+          <a:p>
+            <a:pPr lvl="1" algn="just"/>
+            <a:r>
+              <a:rPr lang="en-GB" dirty="0"/>
+              <a:t>It requires a lot of </a:t>
+            </a:r>
+            <a:r>
+              <a:rPr lang="en-GB" b="1" dirty="0"/>
+              <a:t>space</a:t>
+            </a:r>
+            <a:r>
+              <a:rPr lang="en-GB" dirty="0"/>
+              <a:t> and safety to keep up such records. </a:t>
+            </a:r>
+          </a:p>
+          <a:p>
+            <a:pPr lvl="1" algn="just"/>
+            <a:r>
+              <a:rPr lang="en-GB" dirty="0"/>
+              <a:t>It maintains the </a:t>
+            </a:r>
+            <a:r>
+              <a:rPr lang="en-GB" b="1" dirty="0"/>
+              <a:t>analytics for all the stakeholders </a:t>
+            </a:r>
+            <a:r>
+              <a:rPr lang="en-GB" dirty="0"/>
+              <a:t>and also displays the responses’ data in </a:t>
+            </a:r>
+            <a:r>
+              <a:rPr lang="en-GB" b="1" dirty="0"/>
+              <a:t>infographic format</a:t>
+            </a:r>
+            <a:r>
+              <a:rPr lang="en-GB" dirty="0"/>
+              <a:t>.</a:t>
+            </a:r>
+          </a:p>
+          <a:p>
+            <a:pPr lvl="1" algn="just"/>
+            <a:r>
+              <a:rPr lang="en-GB" dirty="0"/>
+              <a:t>By the Feedback system, </a:t>
+            </a:r>
+            <a:r>
+              <a:rPr lang="en-GB" b="1" dirty="0"/>
+              <a:t>report generation</a:t>
+            </a:r>
+            <a:r>
+              <a:rPr lang="en-GB" dirty="0"/>
+              <a:t> consumes very </a:t>
+            </a:r>
+            <a:r>
+              <a:rPr lang="en-GB" b="1" dirty="0"/>
+              <a:t>less time</a:t>
+            </a:r>
+            <a:r>
+              <a:rPr lang="en-GB" dirty="0"/>
+              <a:t>.</a:t>
+            </a:r>
+          </a:p>
+          <a:p>
+            <a:pPr lvl="1" algn="just"/>
+            <a:r>
+              <a:rPr lang="en-GB" dirty="0"/>
+              <a:t>No </a:t>
+            </a:r>
+            <a:r>
+              <a:rPr lang="en-GB" b="1" dirty="0"/>
+              <a:t>pre-requisite</a:t>
+            </a:r>
+            <a:r>
+              <a:rPr lang="en-GB" dirty="0"/>
+              <a:t> </a:t>
+            </a:r>
+            <a:r>
+              <a:rPr lang="en-GB" b="1" dirty="0"/>
+              <a:t>knowledge</a:t>
+            </a:r>
+            <a:r>
+              <a:rPr lang="en-GB" dirty="0"/>
+              <a:t> is needed for using our system.</a:t>
+            </a:r>
           </a:p>
         </p:txBody>
       </p:sp>
@@ -5840,7 +5869,7 @@
           <a:p>
             <a:fld id="{B27B51CC-79A5-4BB6-9E6A-842B6AF22441}" type="datetime1">
               <a:rPr lang="en-IN" smtClean="0"/>
-              <a:t>10-10-2022</a:t>
+              <a:t>16-03-2023</a:t>
             </a:fld>
             <a:endParaRPr lang="en-IN"/>
           </a:p>
@@ -5863,7 +5892,7 @@
           <a:p>
             <a:r>
               <a:rPr lang="en-IN" dirty="0"/>
-              <a:t>Student Feedback System</a:t>
+              <a:t>Feedback System</a:t>
             </a:r>
           </a:p>
         </p:txBody>
@@ -5894,7 +5923,7 @@
     </p:spTree>
     <p:extLst>
       <p:ext uri="{BB962C8B-B14F-4D97-AF65-F5344CB8AC3E}">
-        <p14:creationId xmlns:p14="http://schemas.microsoft.com/office/powerpoint/2010/main" val="1004886031"/>
+        <p14:creationId xmlns:p14="http://schemas.microsoft.com/office/powerpoint/2010/main" val="1295645699"/>
       </p:ext>
     </p:extLst>
   </p:cSld>
@@ -5923,7 +5952,7 @@
       </p:grpSpPr>
       <p:sp>
         <p:nvSpPr>
-          <p:cNvPr id="9" name="Title 8"/>
+          <p:cNvPr id="2" name="Title 1"/>
           <p:cNvSpPr>
             <a:spLocks noGrp="1"/>
           </p:cNvSpPr>
@@ -5938,14 +5967,14 @@
           <a:p>
             <a:r>
               <a:rPr lang="en-IN" dirty="0"/>
-              <a:t>1. Introduction	</a:t>
-            </a:r>
-          </a:p>
-        </p:txBody>
-      </p:sp>
-      <p:sp>
-        <p:nvSpPr>
-          <p:cNvPr id="10" name="Content Placeholder 9"/>
+              <a:t>2. Objectives &amp; Scope of Project</a:t>
+            </a:r>
+          </a:p>
+        </p:txBody>
+      </p:sp>
+      <p:sp>
+        <p:nvSpPr>
+          <p:cNvPr id="3" name="Content Placeholder 2"/>
           <p:cNvSpPr>
             <a:spLocks noGrp="1"/>
           </p:cNvSpPr>
@@ -5955,8 +5984,8 @@
         </p:nvSpPr>
         <p:spPr>
           <a:xfrm>
-            <a:off x="838200" y="1490919"/>
-            <a:ext cx="10515600" cy="4651464"/>
+            <a:off x="838200" y="1649896"/>
+            <a:ext cx="10515600" cy="4055166"/>
           </a:xfrm>
         </p:spPr>
         <p:txBody>
@@ -5966,144 +5995,114 @@
           <a:lstStyle/>
           <a:p>
             <a:pPr algn="just">
-              <a:buFont typeface="Wingdings" panose="05000000000000000000" pitchFamily="2" charset="2"/>
-              <a:buChar char="§"/>
+              <a:lnSpc>
+                <a:spcPct val="100000"/>
+              </a:lnSpc>
             </a:pPr>
             <a:r>
               <a:rPr lang="en-IN" dirty="0"/>
-              <a:t>Why is student feedback system?</a:t>
-            </a:r>
-          </a:p>
-          <a:p>
-            <a:pPr lvl="1" algn="just"/>
-            <a:r>
-              <a:rPr lang="en-GB" dirty="0"/>
-              <a:t>It would be </a:t>
-            </a:r>
-            <a:r>
-              <a:rPr lang="en-GB" b="1" dirty="0"/>
-              <a:t>more accurate</a:t>
-            </a:r>
-            <a:r>
-              <a:rPr lang="en-GB" dirty="0"/>
-              <a:t>/error free as there would be automatic calculations rather than manual.</a:t>
-            </a:r>
-          </a:p>
-          <a:p>
-            <a:pPr lvl="1" algn="just"/>
-            <a:r>
-              <a:rPr lang="en-GB" b="1" dirty="0"/>
-              <a:t>Anonymously response </a:t>
-            </a:r>
-            <a:r>
-              <a:rPr lang="en-GB" dirty="0"/>
-              <a:t>facility would be provided to the students. </a:t>
-            </a:r>
-          </a:p>
-          <a:p>
-            <a:pPr lvl="1" algn="just"/>
-            <a:r>
-              <a:rPr lang="en-GB" dirty="0"/>
-              <a:t>The system also reduces the </a:t>
-            </a:r>
-            <a:r>
-              <a:rPr lang="en-GB" b="1" dirty="0"/>
-              <a:t>burden of efforts </a:t>
-            </a:r>
-            <a:r>
-              <a:rPr lang="en-GB" dirty="0"/>
-              <a:t>and keeping or maintaining the records on a manual base.</a:t>
-            </a:r>
-          </a:p>
-          <a:p>
-            <a:pPr lvl="1" algn="just"/>
-            <a:r>
-              <a:rPr lang="en-GB" dirty="0"/>
-              <a:t>It requires a lot of </a:t>
-            </a:r>
-            <a:r>
-              <a:rPr lang="en-GB" b="1" dirty="0"/>
-              <a:t>space</a:t>
-            </a:r>
-            <a:r>
-              <a:rPr lang="en-GB" dirty="0"/>
-              <a:t> and safety to keep up such records. </a:t>
-            </a:r>
-          </a:p>
-          <a:p>
-            <a:pPr lvl="1" algn="just"/>
-            <a:r>
-              <a:rPr lang="en-GB" dirty="0"/>
-              <a:t>It maintains the </a:t>
-            </a:r>
-            <a:r>
-              <a:rPr lang="en-GB" b="1" dirty="0"/>
-              <a:t>analytics for all the stakeholders </a:t>
-            </a:r>
-            <a:r>
-              <a:rPr lang="en-GB" dirty="0"/>
-              <a:t>and also displays the responses’ data in </a:t>
-            </a:r>
-            <a:r>
-              <a:rPr lang="en-GB" b="1" dirty="0"/>
+              <a:t>The main objective of this feedback system is:</a:t>
+            </a:r>
+          </a:p>
+          <a:p>
+            <a:pPr lvl="1" algn="just">
+              <a:lnSpc>
+                <a:spcPct val="100000"/>
+              </a:lnSpc>
+            </a:pPr>
+            <a:r>
+              <a:rPr lang="en-IN" dirty="0"/>
+              <a:t>To record, classify, aggregate and analyse the students’ feedbacks </a:t>
+            </a:r>
+          </a:p>
+          <a:p>
+            <a:pPr lvl="1" algn="just">
+              <a:lnSpc>
+                <a:spcPct val="100000"/>
+              </a:lnSpc>
+            </a:pPr>
+            <a:r>
+              <a:rPr lang="en-IN" dirty="0"/>
+              <a:t>To provide, a simple, user friendly interface to manage all activities in a simpler manner.</a:t>
+            </a:r>
+          </a:p>
+          <a:p>
+            <a:pPr lvl="1" algn="just">
+              <a:lnSpc>
+                <a:spcPct val="100000"/>
+              </a:lnSpc>
+            </a:pPr>
+            <a:r>
+              <a:rPr lang="en-IN" dirty="0"/>
+              <a:t>To provide an </a:t>
+            </a:r>
+            <a:r>
+              <a:rPr lang="en-IN" b="1" dirty="0"/>
+              <a:t>automated system </a:t>
+            </a:r>
+            <a:r>
+              <a:rPr lang="en-IN" dirty="0"/>
+              <a:t>without any </a:t>
+            </a:r>
+            <a:r>
+              <a:rPr lang="en-IN" b="1" dirty="0"/>
+              <a:t>manual calculations</a:t>
+            </a:r>
+            <a:r>
+              <a:rPr lang="en-IN" dirty="0"/>
+              <a:t>.</a:t>
+            </a:r>
+          </a:p>
+          <a:p>
+            <a:pPr lvl="1" algn="just">
+              <a:lnSpc>
+                <a:spcPct val="100000"/>
+              </a:lnSpc>
+            </a:pPr>
+            <a:r>
+              <a:rPr lang="en-IN" dirty="0"/>
+              <a:t>To provide analysis of responses in </a:t>
+            </a:r>
+            <a:r>
+              <a:rPr lang="en-IN" b="1" dirty="0"/>
               <a:t>infographic format</a:t>
             </a:r>
             <a:r>
-              <a:rPr lang="en-GB" dirty="0"/>
+              <a:rPr lang="en-IN" dirty="0"/>
               <a:t>.</a:t>
             </a:r>
           </a:p>
           <a:p>
-            <a:pPr lvl="1" algn="just"/>
-            <a:r>
-              <a:rPr lang="en-GB" dirty="0"/>
-              <a:t>By the Feedback system, </a:t>
-            </a:r>
-            <a:r>
-              <a:rPr lang="en-GB" b="1" dirty="0"/>
-              <a:t>report generation</a:t>
-            </a:r>
-            <a:r>
-              <a:rPr lang="en-GB" dirty="0"/>
-              <a:t> consumes very </a:t>
-            </a:r>
-            <a:r>
-              <a:rPr lang="en-GB" b="1" dirty="0"/>
-              <a:t>less time</a:t>
-            </a:r>
-            <a:r>
-              <a:rPr lang="en-GB" dirty="0"/>
-              <a:t>.</a:t>
-            </a:r>
-          </a:p>
-          <a:p>
-            <a:pPr lvl="1" algn="just"/>
-            <a:r>
-              <a:rPr lang="en-GB" dirty="0"/>
-              <a:t>No </a:t>
-            </a:r>
-            <a:r>
-              <a:rPr lang="en-GB" b="1" dirty="0"/>
-              <a:t>pre-requisite</a:t>
-            </a:r>
-            <a:r>
-              <a:rPr lang="en-GB" dirty="0"/>
-              <a:t> </a:t>
-            </a:r>
-            <a:r>
-              <a:rPr lang="en-GB" b="1" dirty="0"/>
-              <a:t>knowledge</a:t>
-            </a:r>
-            <a:r>
-              <a:rPr lang="en-GB" dirty="0"/>
-              <a:t> is needed for using our system.</a:t>
-            </a:r>
-          </a:p>
-        </p:txBody>
-      </p:sp>
-      <p:sp>
-        <p:nvSpPr>
-          <p:cNvPr id="6" name="Date Placeholder 5"/>
+            <a:pPr lvl="1" algn="just">
+              <a:lnSpc>
+                <a:spcPct val="100000"/>
+              </a:lnSpc>
+            </a:pPr>
+            <a:r>
+              <a:rPr lang="en-IN" b="1" dirty="0"/>
+              <a:t>Anonymous attempts </a:t>
+            </a:r>
+            <a:r>
+              <a:rPr lang="en-IN" dirty="0"/>
+              <a:t>of feedback forms.</a:t>
+            </a:r>
+          </a:p>
+          <a:p>
+            <a:pPr lvl="1" algn="just">
+              <a:lnSpc>
+                <a:spcPct val="100000"/>
+              </a:lnSpc>
+            </a:pPr>
+            <a:r>
+              <a:rPr lang="en-IN" dirty="0"/>
+              <a:t>Secure key based feedback system.</a:t>
+            </a:r>
+          </a:p>
+        </p:txBody>
+      </p:sp>
+      <p:sp>
+        <p:nvSpPr>
+          <p:cNvPr id="4" name="Date Placeholder 3"/>
           <p:cNvSpPr>
             <a:spLocks noGrp="1"/>
           </p:cNvSpPr>
@@ -6116,9 +6115,9 @@
           <a:bodyPr/>
           <a:lstStyle/>
           <a:p>
-            <a:fld id="{B27B51CC-79A5-4BB6-9E6A-842B6AF22441}" type="datetime1">
+            <a:fld id="{04ADB005-2E3D-41BC-9D73-934276C3D2AB}" type="datetime1">
               <a:rPr lang="en-IN" smtClean="0"/>
-              <a:t>10-10-2022</a:t>
+              <a:t>16-03-2023</a:t>
             </a:fld>
             <a:endParaRPr lang="en-IN"/>
           </a:p>
@@ -6126,7 +6125,7 @@
       </p:sp>
       <p:sp>
         <p:nvSpPr>
-          <p:cNvPr id="7" name="Footer Placeholder 6"/>
+          <p:cNvPr id="5" name="Footer Placeholder 4"/>
           <p:cNvSpPr>
             <a:spLocks noGrp="1"/>
           </p:cNvSpPr>
@@ -6141,14 +6140,14 @@
           <a:p>
             <a:r>
               <a:rPr lang="en-IN" dirty="0"/>
-              <a:t>Student Feedback System</a:t>
-            </a:r>
-          </a:p>
-        </p:txBody>
-      </p:sp>
-      <p:sp>
-        <p:nvSpPr>
-          <p:cNvPr id="8" name="Slide Number Placeholder 7"/>
+              <a:t>Feedback System</a:t>
+            </a:r>
+          </a:p>
+        </p:txBody>
+      </p:sp>
+      <p:sp>
+        <p:nvSpPr>
+          <p:cNvPr id="6" name="Slide Number Placeholder 5"/>
           <p:cNvSpPr>
             <a:spLocks noGrp="1"/>
           </p:cNvSpPr>
@@ -6165,14 +6164,14 @@
               <a:rPr lang="en-IN" smtClean="0"/>
               <a:t>4</a:t>
             </a:fld>
-            <a:endParaRPr lang="en-IN"/>
+            <a:endParaRPr lang="en-IN" dirty="0"/>
           </a:p>
         </p:txBody>
       </p:sp>
     </p:spTree>
     <p:extLst>
       <p:ext uri="{BB962C8B-B14F-4D97-AF65-F5344CB8AC3E}">
-        <p14:creationId xmlns:p14="http://schemas.microsoft.com/office/powerpoint/2010/main" val="1295645699"/>
+        <p14:creationId xmlns:p14="http://schemas.microsoft.com/office/powerpoint/2010/main" val="4082437528"/>
       </p:ext>
     </p:extLst>
   </p:cSld>
@@ -6216,135 +6215,7 @@
           <a:p>
             <a:r>
               <a:rPr lang="en-IN" dirty="0"/>
-              <a:t>2. Objectives &amp; Scope of Project</a:t>
-            </a:r>
-          </a:p>
-        </p:txBody>
-      </p:sp>
-      <p:sp>
-        <p:nvSpPr>
-          <p:cNvPr id="3" name="Content Placeholder 2"/>
-          <p:cNvSpPr>
-            <a:spLocks noGrp="1"/>
-          </p:cNvSpPr>
-          <p:nvPr>
-            <p:ph idx="1"/>
-          </p:nvPr>
-        </p:nvSpPr>
-        <p:spPr>
-          <a:xfrm>
-            <a:off x="838200" y="1649896"/>
-            <a:ext cx="10515600" cy="4055166"/>
-          </a:xfrm>
-        </p:spPr>
-        <p:txBody>
-          <a:bodyPr>
-            <a:normAutofit/>
-          </a:bodyPr>
-          <a:lstStyle/>
-          <a:p>
-            <a:pPr algn="just">
-              <a:lnSpc>
-                <a:spcPct val="100000"/>
-              </a:lnSpc>
-            </a:pPr>
-            <a:r>
-              <a:rPr lang="en-IN" dirty="0"/>
-              <a:t>The main objective of this feedback system is:</a:t>
-            </a:r>
-          </a:p>
-          <a:p>
-            <a:pPr lvl="1" algn="just">
-              <a:lnSpc>
-                <a:spcPct val="100000"/>
-              </a:lnSpc>
-            </a:pPr>
-            <a:r>
-              <a:rPr lang="en-IN" dirty="0"/>
-              <a:t>To record, classify, aggregate and analyse the students’ feedbacks </a:t>
-            </a:r>
-          </a:p>
-          <a:p>
-            <a:pPr lvl="1" algn="just">
-              <a:lnSpc>
-                <a:spcPct val="100000"/>
-              </a:lnSpc>
-            </a:pPr>
-            <a:r>
-              <a:rPr lang="en-IN" dirty="0"/>
-              <a:t>To provide, a simple, user friendly interface to manage all activities in a simpler manner.</a:t>
-            </a:r>
-          </a:p>
-          <a:p>
-            <a:pPr lvl="1" algn="just">
-              <a:lnSpc>
-                <a:spcPct val="100000"/>
-              </a:lnSpc>
-            </a:pPr>
-            <a:r>
-              <a:rPr lang="en-IN" dirty="0"/>
-              <a:t>To provide an </a:t>
-            </a:r>
-            <a:r>
-              <a:rPr lang="en-IN" b="1" dirty="0"/>
-              <a:t>automated system </a:t>
-            </a:r>
-            <a:r>
-              <a:rPr lang="en-IN" dirty="0"/>
-              <a:t>without any </a:t>
-            </a:r>
-            <a:r>
-              <a:rPr lang="en-IN" b="1" dirty="0"/>
-              <a:t>manual calculations</a:t>
-            </a:r>
-            <a:r>
-              <a:rPr lang="en-IN" dirty="0"/>
-              <a:t>.</a:t>
-            </a:r>
-          </a:p>
-          <a:p>
-            <a:pPr lvl="1" algn="just">
-              <a:lnSpc>
-                <a:spcPct val="100000"/>
-              </a:lnSpc>
-            </a:pPr>
-            <a:r>
-              <a:rPr lang="en-IN" dirty="0"/>
-              <a:t>To provide analysis of responses in </a:t>
-            </a:r>
-            <a:r>
-              <a:rPr lang="en-IN" b="1" dirty="0"/>
-              <a:t>infographic format</a:t>
-            </a:r>
-            <a:r>
-              <a:rPr lang="en-IN" dirty="0"/>
-              <a:t>.</a:t>
-            </a:r>
-          </a:p>
-          <a:p>
-            <a:pPr lvl="1" algn="just">
-              <a:lnSpc>
-                <a:spcPct val="100000"/>
-              </a:lnSpc>
-            </a:pPr>
-            <a:r>
-              <a:rPr lang="en-IN" b="1" dirty="0"/>
-              <a:t>Anonymous attempts </a:t>
-            </a:r>
-            <a:r>
-              <a:rPr lang="en-IN" dirty="0"/>
-              <a:t>of feedback forms.</a:t>
-            </a:r>
-          </a:p>
-          <a:p>
-            <a:pPr lvl="1" algn="just">
-              <a:lnSpc>
-                <a:spcPct val="100000"/>
-              </a:lnSpc>
-            </a:pPr>
-            <a:r>
-              <a:rPr lang="en-IN" dirty="0"/>
-              <a:t>Secure key based feedback system.</a:t>
+              <a:t>3. Stakeholders</a:t>
             </a:r>
           </a:p>
         </p:txBody>
@@ -6366,7 +6237,7 @@
           <a:p>
             <a:fld id="{04ADB005-2E3D-41BC-9D73-934276C3D2AB}" type="datetime1">
               <a:rPr lang="en-IN" smtClean="0"/>
-              <a:t>10-10-2022</a:t>
+              <a:t>16-03-2023</a:t>
             </a:fld>
             <a:endParaRPr lang="en-IN"/>
           </a:p>
@@ -6389,7 +6260,7 @@
           <a:p>
             <a:r>
               <a:rPr lang="en-IN" dirty="0"/>
-              <a:t>Student Feedback System</a:t>
+              <a:t>Feedback System</a:t>
             </a:r>
           </a:p>
         </p:txBody>
@@ -6413,14 +6284,310 @@
               <a:rPr lang="en-IN" smtClean="0"/>
               <a:t>5</a:t>
             </a:fld>
-            <a:endParaRPr lang="en-IN" dirty="0"/>
+            <a:endParaRPr lang="en-IN"/>
+          </a:p>
+        </p:txBody>
+      </p:sp>
+      <p:sp>
+        <p:nvSpPr>
+          <p:cNvPr id="9" name="TextBox 8">
+            <a:extLst>
+              <a:ext uri="{FF2B5EF4-FFF2-40B4-BE49-F238E27FC236}">
+                <a16:creationId xmlns:a16="http://schemas.microsoft.com/office/drawing/2014/main" id="{3A000424-B479-59B9-4F88-3965D89D132E}"/>
+              </a:ext>
+            </a:extLst>
+          </p:cNvPr>
+          <p:cNvSpPr txBox="1"/>
+          <p:nvPr/>
+        </p:nvSpPr>
+        <p:spPr>
+          <a:xfrm>
+            <a:off x="4247101" y="4239182"/>
+            <a:ext cx="1745974" cy="523220"/>
+          </a:xfrm>
+          <a:prstGeom prst="rect">
+            <a:avLst/>
+          </a:prstGeom>
+          <a:noFill/>
+        </p:spPr>
+        <p:txBody>
+          <a:bodyPr wrap="square">
+            <a:spAutoFit/>
+          </a:bodyPr>
+          <a:lstStyle/>
+          <a:p>
+            <a:r>
+              <a:rPr lang="en-GB" sz="2800" b="1" dirty="0">
+                <a:latin typeface="Arial" panose="020B0604020202020204" pitchFamily="34" charset="0"/>
+                <a:cs typeface="Arial" panose="020B0604020202020204" pitchFamily="34" charset="0"/>
+              </a:rPr>
+              <a:t>Students</a:t>
+            </a:r>
+          </a:p>
+        </p:txBody>
+      </p:sp>
+      <p:pic>
+        <p:nvPicPr>
+          <p:cNvPr id="13" name="Picture 12">
+            <a:extLst>
+              <a:ext uri="{FF2B5EF4-FFF2-40B4-BE49-F238E27FC236}">
+                <a16:creationId xmlns:a16="http://schemas.microsoft.com/office/drawing/2014/main" id="{8DFBA5E1-79AE-827C-FFD7-7ECB0B6065FA}"/>
+              </a:ext>
+            </a:extLst>
+          </p:cNvPr>
+          <p:cNvPicPr>
+            <a:picLocks noChangeAspect="1"/>
+          </p:cNvPicPr>
+          <p:nvPr/>
+        </p:nvPicPr>
+        <p:blipFill>
+          <a:blip r:embed="rId2">
+            <a:extLst>
+              <a:ext uri="{28A0092B-C50C-407E-A947-70E740481C1C}">
+                <a14:useLocalDpi xmlns:a14="http://schemas.microsoft.com/office/drawing/2010/main" val="0"/>
+              </a:ext>
+            </a:extLst>
+          </a:blip>
+          <a:stretch>
+            <a:fillRect/>
+          </a:stretch>
+        </p:blipFill>
+        <p:spPr>
+          <a:xfrm>
+            <a:off x="4211241" y="2324837"/>
+            <a:ext cx="1745974" cy="1735519"/>
+          </a:xfrm>
+          <a:prstGeom prst="rect">
+            <a:avLst/>
+          </a:prstGeom>
+        </p:spPr>
+      </p:pic>
+      <p:pic>
+        <p:nvPicPr>
+          <p:cNvPr id="15" name="Picture 14">
+            <a:extLst>
+              <a:ext uri="{FF2B5EF4-FFF2-40B4-BE49-F238E27FC236}">
+                <a16:creationId xmlns:a16="http://schemas.microsoft.com/office/drawing/2014/main" id="{6BF89B89-6C64-68CE-7A40-41F7281040F9}"/>
+              </a:ext>
+            </a:extLst>
+          </p:cNvPr>
+          <p:cNvPicPr>
+            <a:picLocks noChangeAspect="1"/>
+          </p:cNvPicPr>
+          <p:nvPr/>
+        </p:nvPicPr>
+        <p:blipFill>
+          <a:blip r:embed="rId3">
+            <a:extLst>
+              <a:ext uri="{28A0092B-C50C-407E-A947-70E740481C1C}">
+                <a14:useLocalDpi xmlns:a14="http://schemas.microsoft.com/office/drawing/2010/main" val="0"/>
+              </a:ext>
+            </a:extLst>
+          </a:blip>
+          <a:stretch>
+            <a:fillRect/>
+          </a:stretch>
+        </p:blipFill>
+        <p:spPr>
+          <a:xfrm>
+            <a:off x="6541700" y="2297204"/>
+            <a:ext cx="1756999" cy="1790787"/>
+          </a:xfrm>
+          <a:prstGeom prst="rect">
+            <a:avLst/>
+          </a:prstGeom>
+        </p:spPr>
+      </p:pic>
+      <p:pic>
+        <p:nvPicPr>
+          <p:cNvPr id="17" name="Picture 16">
+            <a:extLst>
+              <a:ext uri="{FF2B5EF4-FFF2-40B4-BE49-F238E27FC236}">
+                <a16:creationId xmlns:a16="http://schemas.microsoft.com/office/drawing/2014/main" id="{C0D5D51B-749A-93C0-BE33-076460C8E8EC}"/>
+              </a:ext>
+            </a:extLst>
+          </p:cNvPr>
+          <p:cNvPicPr>
+            <a:picLocks noChangeAspect="1"/>
+          </p:cNvPicPr>
+          <p:nvPr/>
+        </p:nvPicPr>
+        <p:blipFill>
+          <a:blip r:embed="rId4">
+            <a:extLst>
+              <a:ext uri="{28A0092B-C50C-407E-A947-70E740481C1C}">
+                <a14:useLocalDpi xmlns:a14="http://schemas.microsoft.com/office/drawing/2010/main" val="0"/>
+              </a:ext>
+            </a:extLst>
+          </a:blip>
+          <a:stretch>
+            <a:fillRect/>
+          </a:stretch>
+        </p:blipFill>
+        <p:spPr>
+          <a:xfrm>
+            <a:off x="1527530" y="2299104"/>
+            <a:ext cx="2128216" cy="1702573"/>
+          </a:xfrm>
+          <a:prstGeom prst="rect">
+            <a:avLst/>
+          </a:prstGeom>
+        </p:spPr>
+      </p:pic>
+      <p:sp>
+        <p:nvSpPr>
+          <p:cNvPr id="19" name="TextBox 18">
+            <a:extLst>
+              <a:ext uri="{FF2B5EF4-FFF2-40B4-BE49-F238E27FC236}">
+                <a16:creationId xmlns:a16="http://schemas.microsoft.com/office/drawing/2014/main" id="{04D94C3C-189B-4ACE-743A-6DFF5DA44C0F}"/>
+              </a:ext>
+            </a:extLst>
+          </p:cNvPr>
+          <p:cNvSpPr txBox="1"/>
+          <p:nvPr/>
+        </p:nvSpPr>
+        <p:spPr>
+          <a:xfrm>
+            <a:off x="6672127" y="4239182"/>
+            <a:ext cx="1745974" cy="523220"/>
+          </a:xfrm>
+          <a:prstGeom prst="rect">
+            <a:avLst/>
+          </a:prstGeom>
+          <a:noFill/>
+        </p:spPr>
+        <p:txBody>
+          <a:bodyPr wrap="square">
+            <a:spAutoFit/>
+          </a:bodyPr>
+          <a:lstStyle/>
+          <a:p>
+            <a:r>
+              <a:rPr lang="en-GB" sz="2800" b="1" dirty="0">
+                <a:latin typeface="Arial" panose="020B0604020202020204" pitchFamily="34" charset="0"/>
+                <a:cs typeface="Arial" panose="020B0604020202020204" pitchFamily="34" charset="0"/>
+              </a:rPr>
+              <a:t>Teachers</a:t>
+            </a:r>
+          </a:p>
+        </p:txBody>
+      </p:sp>
+      <p:sp>
+        <p:nvSpPr>
+          <p:cNvPr id="20" name="TextBox 19">
+            <a:extLst>
+              <a:ext uri="{FF2B5EF4-FFF2-40B4-BE49-F238E27FC236}">
+                <a16:creationId xmlns:a16="http://schemas.microsoft.com/office/drawing/2014/main" id="{0A85991C-9F30-B4BB-3D72-CB5C39F85728}"/>
+              </a:ext>
+            </a:extLst>
+          </p:cNvPr>
+          <p:cNvSpPr txBox="1"/>
+          <p:nvPr/>
+        </p:nvSpPr>
+        <p:spPr>
+          <a:xfrm>
+            <a:off x="1618123" y="4184270"/>
+            <a:ext cx="1487557" cy="523220"/>
+          </a:xfrm>
+          <a:prstGeom prst="rect">
+            <a:avLst/>
+          </a:prstGeom>
+          <a:noFill/>
+        </p:spPr>
+        <p:txBody>
+          <a:bodyPr wrap="square">
+            <a:spAutoFit/>
+          </a:bodyPr>
+          <a:lstStyle/>
+          <a:p>
+            <a:r>
+              <a:rPr lang="en-GB" sz="2800" b="1" dirty="0">
+                <a:latin typeface="Arial" panose="020B0604020202020204" pitchFamily="34" charset="0"/>
+                <a:cs typeface="Arial" panose="020B0604020202020204" pitchFamily="34" charset="0"/>
+              </a:rPr>
+              <a:t>Admin</a:t>
+            </a:r>
+          </a:p>
+        </p:txBody>
+      </p:sp>
+      <p:pic>
+        <p:nvPicPr>
+          <p:cNvPr id="7" name="Picture 6">
+            <a:extLst>
+              <a:ext uri="{FF2B5EF4-FFF2-40B4-BE49-F238E27FC236}">
+                <a16:creationId xmlns:a16="http://schemas.microsoft.com/office/drawing/2014/main" id="{FD26EF90-9257-411A-1B1E-98380F8B986D}"/>
+              </a:ext>
+            </a:extLst>
+          </p:cNvPr>
+          <p:cNvPicPr>
+            <a:picLocks noChangeAspect="1"/>
+          </p:cNvPicPr>
+          <p:nvPr/>
+        </p:nvPicPr>
+        <p:blipFill>
+          <a:blip r:embed="rId5" cstate="print">
+            <a:extLst>
+              <a:ext uri="{28A0092B-C50C-407E-A947-70E740481C1C}">
+                <a14:useLocalDpi xmlns:a14="http://schemas.microsoft.com/office/drawing/2010/main" val="0"/>
+              </a:ext>
+            </a:extLst>
+          </a:blip>
+          <a:stretch>
+            <a:fillRect/>
+          </a:stretch>
+        </p:blipFill>
+        <p:spPr>
+          <a:xfrm>
+            <a:off x="9213803" y="2235423"/>
+            <a:ext cx="1914345" cy="1914345"/>
+          </a:xfrm>
+          <a:prstGeom prst="rect">
+            <a:avLst/>
+          </a:prstGeom>
+        </p:spPr>
+      </p:pic>
+      <p:sp>
+        <p:nvSpPr>
+          <p:cNvPr id="8" name="TextBox 7">
+            <a:extLst>
+              <a:ext uri="{FF2B5EF4-FFF2-40B4-BE49-F238E27FC236}">
+                <a16:creationId xmlns:a16="http://schemas.microsoft.com/office/drawing/2014/main" id="{552A8569-0784-4C99-8607-E0AE0446BA69}"/>
+              </a:ext>
+            </a:extLst>
+          </p:cNvPr>
+          <p:cNvSpPr txBox="1"/>
+          <p:nvPr/>
+        </p:nvSpPr>
+        <p:spPr>
+          <a:xfrm>
+            <a:off x="9607826" y="4239182"/>
+            <a:ext cx="1745974" cy="523220"/>
+          </a:xfrm>
+          <a:prstGeom prst="rect">
+            <a:avLst/>
+          </a:prstGeom>
+          <a:noFill/>
+        </p:spPr>
+        <p:txBody>
+          <a:bodyPr wrap="square">
+            <a:spAutoFit/>
+          </a:bodyPr>
+          <a:lstStyle/>
+          <a:p>
+            <a:r>
+              <a:rPr lang="en-GB" sz="2800" b="1" dirty="0">
+                <a:latin typeface="Arial" panose="020B0604020202020204" pitchFamily="34" charset="0"/>
+                <a:cs typeface="Arial" panose="020B0604020202020204" pitchFamily="34" charset="0"/>
+              </a:rPr>
+              <a:t>Parent</a:t>
+            </a:r>
           </a:p>
         </p:txBody>
       </p:sp>
     </p:spTree>
     <p:extLst>
       <p:ext uri="{BB962C8B-B14F-4D97-AF65-F5344CB8AC3E}">
-        <p14:creationId xmlns:p14="http://schemas.microsoft.com/office/powerpoint/2010/main" val="4082437528"/>
+        <p14:creationId xmlns:p14="http://schemas.microsoft.com/office/powerpoint/2010/main" val="1041140363"/>
       </p:ext>
     </p:extLst>
   </p:cSld>
@@ -6459,13 +6626,68 @@
         </p:nvSpPr>
         <p:spPr/>
         <p:txBody>
-          <a:bodyPr/>
+          <a:bodyPr>
+            <a:normAutofit/>
+          </a:bodyPr>
           <a:lstStyle/>
           <a:p>
             <a:r>
               <a:rPr lang="en-IN" dirty="0"/>
-              <a:t>3. Stakeholders</a:t>
-            </a:r>
+              <a:t>4. Literature Survey.</a:t>
+            </a:r>
+          </a:p>
+        </p:txBody>
+      </p:sp>
+      <p:sp>
+        <p:nvSpPr>
+          <p:cNvPr id="3" name="Content Placeholder 2"/>
+          <p:cNvSpPr>
+            <a:spLocks noGrp="1"/>
+          </p:cNvSpPr>
+          <p:nvPr>
+            <p:ph idx="1"/>
+          </p:nvPr>
+        </p:nvSpPr>
+        <p:spPr>
+          <a:xfrm>
+            <a:off x="838200" y="1323833"/>
+            <a:ext cx="10515600" cy="4853130"/>
+          </a:xfrm>
+        </p:spPr>
+        <p:txBody>
+          <a:bodyPr>
+            <a:normAutofit/>
+          </a:bodyPr>
+          <a:lstStyle/>
+          <a:p>
+            <a:pPr algn="just">
+              <a:lnSpc>
+                <a:spcPct val="110000"/>
+              </a:lnSpc>
+            </a:pPr>
+            <a:r>
+              <a:rPr lang="en-GB" dirty="0"/>
+              <a:t>Student Feedback Management System for evaluation and generate semester-wise reports [1].</a:t>
+            </a:r>
+          </a:p>
+          <a:p>
+            <a:pPr algn="just">
+              <a:lnSpc>
+                <a:spcPct val="110000"/>
+              </a:lnSpc>
+            </a:pPr>
+            <a:r>
+              <a:rPr lang="en-GB" dirty="0"/>
+              <a:t>We have developed a student feedback system to provide feedback in a quick and easy manner to the particular department [2].</a:t>
+            </a:r>
+          </a:p>
+          <a:p>
+            <a:pPr algn="just">
+              <a:lnSpc>
+                <a:spcPct val="110000"/>
+              </a:lnSpc>
+            </a:pPr>
+            <a:endParaRPr lang="en-GB" dirty="0"/>
           </a:p>
         </p:txBody>
       </p:sp>
@@ -6486,7 +6708,7 @@
           <a:p>
             <a:fld id="{04ADB005-2E3D-41BC-9D73-934276C3D2AB}" type="datetime1">
               <a:rPr lang="en-IN" smtClean="0"/>
-              <a:t>10-10-2022</a:t>
+              <a:t>16-03-2023</a:t>
             </a:fld>
             <a:endParaRPr lang="en-IN"/>
           </a:p>
@@ -6509,7 +6731,7 @@
           <a:p>
             <a:r>
               <a:rPr lang="en-IN" dirty="0"/>
-              <a:t>Student Feedback System</a:t>
+              <a:t>Feedback System</a:t>
             </a:r>
           </a:p>
         </p:txBody>
@@ -6537,307 +6759,10 @@
           </a:p>
         </p:txBody>
       </p:sp>
-      <p:sp>
-        <p:nvSpPr>
-          <p:cNvPr id="9" name="TextBox 8">
-            <a:extLst>
-              <a:ext uri="{FF2B5EF4-FFF2-40B4-BE49-F238E27FC236}">
-                <a16:creationId xmlns:a16="http://schemas.microsoft.com/office/drawing/2014/main" id="{3A000424-B479-59B9-4F88-3965D89D132E}"/>
-              </a:ext>
-            </a:extLst>
-          </p:cNvPr>
-          <p:cNvSpPr txBox="1"/>
-          <p:nvPr/>
-        </p:nvSpPr>
-        <p:spPr>
-          <a:xfrm>
-            <a:off x="1415495" y="4239182"/>
-            <a:ext cx="1745974" cy="523220"/>
-          </a:xfrm>
-          <a:prstGeom prst="rect">
-            <a:avLst/>
-          </a:prstGeom>
-          <a:noFill/>
-        </p:spPr>
-        <p:txBody>
-          <a:bodyPr wrap="square">
-            <a:spAutoFit/>
-          </a:bodyPr>
-          <a:lstStyle/>
-          <a:p>
-            <a:r>
-              <a:rPr lang="en-GB" sz="2800" b="1" dirty="0">
-                <a:latin typeface="Arial" panose="020B0604020202020204" pitchFamily="34" charset="0"/>
-                <a:cs typeface="Arial" panose="020B0604020202020204" pitchFamily="34" charset="0"/>
-              </a:rPr>
-              <a:t>Students</a:t>
-            </a:r>
-          </a:p>
-        </p:txBody>
-      </p:sp>
-      <p:pic>
-        <p:nvPicPr>
-          <p:cNvPr id="11" name="Picture 10">
-            <a:extLst>
-              <a:ext uri="{FF2B5EF4-FFF2-40B4-BE49-F238E27FC236}">
-                <a16:creationId xmlns:a16="http://schemas.microsoft.com/office/drawing/2014/main" id="{E41322F9-250C-094F-EC25-8741095E14D4}"/>
-              </a:ext>
-            </a:extLst>
-          </p:cNvPr>
-          <p:cNvPicPr>
-            <a:picLocks noChangeAspect="1"/>
-          </p:cNvPicPr>
-          <p:nvPr/>
-        </p:nvPicPr>
-        <p:blipFill>
-          <a:blip r:embed="rId2" cstate="print">
-            <a:extLst>
-              <a:ext uri="{28A0092B-C50C-407E-A947-70E740481C1C}">
-                <a14:useLocalDpi xmlns:a14="http://schemas.microsoft.com/office/drawing/2010/main" val="0"/>
-              </a:ext>
-            </a:extLst>
-          </a:blip>
-          <a:stretch>
-            <a:fillRect/>
-          </a:stretch>
-        </p:blipFill>
-        <p:spPr>
-          <a:xfrm>
-            <a:off x="3728410" y="2229526"/>
-            <a:ext cx="1858465" cy="1858465"/>
-          </a:xfrm>
-          <a:prstGeom prst="rect">
-            <a:avLst/>
-          </a:prstGeom>
-        </p:spPr>
-      </p:pic>
-      <p:pic>
-        <p:nvPicPr>
-          <p:cNvPr id="13" name="Picture 12">
-            <a:extLst>
-              <a:ext uri="{FF2B5EF4-FFF2-40B4-BE49-F238E27FC236}">
-                <a16:creationId xmlns:a16="http://schemas.microsoft.com/office/drawing/2014/main" id="{8DFBA5E1-79AE-827C-FFD7-7ECB0B6065FA}"/>
-              </a:ext>
-            </a:extLst>
-          </p:cNvPr>
-          <p:cNvPicPr>
-            <a:picLocks noChangeAspect="1"/>
-          </p:cNvPicPr>
-          <p:nvPr/>
-        </p:nvPicPr>
-        <p:blipFill>
-          <a:blip r:embed="rId3">
-            <a:extLst>
-              <a:ext uri="{28A0092B-C50C-407E-A947-70E740481C1C}">
-                <a14:useLocalDpi xmlns:a14="http://schemas.microsoft.com/office/drawing/2010/main" val="0"/>
-              </a:ext>
-            </a:extLst>
-          </a:blip>
-          <a:stretch>
-            <a:fillRect/>
-          </a:stretch>
-        </p:blipFill>
-        <p:spPr>
-          <a:xfrm>
-            <a:off x="1414253" y="2352472"/>
-            <a:ext cx="1745974" cy="1735519"/>
-          </a:xfrm>
-          <a:prstGeom prst="rect">
-            <a:avLst/>
-          </a:prstGeom>
-        </p:spPr>
-      </p:pic>
-      <p:pic>
-        <p:nvPicPr>
-          <p:cNvPr id="15" name="Picture 14">
-            <a:extLst>
-              <a:ext uri="{FF2B5EF4-FFF2-40B4-BE49-F238E27FC236}">
-                <a16:creationId xmlns:a16="http://schemas.microsoft.com/office/drawing/2014/main" id="{6BF89B89-6C64-68CE-7A40-41F7281040F9}"/>
-              </a:ext>
-            </a:extLst>
-          </p:cNvPr>
-          <p:cNvPicPr>
-            <a:picLocks noChangeAspect="1"/>
-          </p:cNvPicPr>
-          <p:nvPr/>
-        </p:nvPicPr>
-        <p:blipFill>
-          <a:blip r:embed="rId4">
-            <a:extLst>
-              <a:ext uri="{28A0092B-C50C-407E-A947-70E740481C1C}">
-                <a14:useLocalDpi xmlns:a14="http://schemas.microsoft.com/office/drawing/2010/main" val="0"/>
-              </a:ext>
-            </a:extLst>
-          </a:blip>
-          <a:stretch>
-            <a:fillRect/>
-          </a:stretch>
-        </p:blipFill>
-        <p:spPr>
-          <a:xfrm>
-            <a:off x="6344476" y="2297204"/>
-            <a:ext cx="1756999" cy="1790787"/>
-          </a:xfrm>
-          <a:prstGeom prst="rect">
-            <a:avLst/>
-          </a:prstGeom>
-        </p:spPr>
-      </p:pic>
-      <p:pic>
-        <p:nvPicPr>
-          <p:cNvPr id="17" name="Picture 16">
-            <a:extLst>
-              <a:ext uri="{FF2B5EF4-FFF2-40B4-BE49-F238E27FC236}">
-                <a16:creationId xmlns:a16="http://schemas.microsoft.com/office/drawing/2014/main" id="{C0D5D51B-749A-93C0-BE33-076460C8E8EC}"/>
-              </a:ext>
-            </a:extLst>
-          </p:cNvPr>
-          <p:cNvPicPr>
-            <a:picLocks noChangeAspect="1"/>
-          </p:cNvPicPr>
-          <p:nvPr/>
-        </p:nvPicPr>
-        <p:blipFill>
-          <a:blip r:embed="rId5">
-            <a:extLst>
-              <a:ext uri="{28A0092B-C50C-407E-A947-70E740481C1C}">
-                <a14:useLocalDpi xmlns:a14="http://schemas.microsoft.com/office/drawing/2010/main" val="0"/>
-              </a:ext>
-            </a:extLst>
-          </a:blip>
-          <a:stretch>
-            <a:fillRect/>
-          </a:stretch>
-        </p:blipFill>
-        <p:spPr>
-          <a:xfrm>
-            <a:off x="8859076" y="2385418"/>
-            <a:ext cx="2128216" cy="1702573"/>
-          </a:xfrm>
-          <a:prstGeom prst="rect">
-            <a:avLst/>
-          </a:prstGeom>
-        </p:spPr>
-      </p:pic>
-      <p:sp>
-        <p:nvSpPr>
-          <p:cNvPr id="18" name="TextBox 17">
-            <a:extLst>
-              <a:ext uri="{FF2B5EF4-FFF2-40B4-BE49-F238E27FC236}">
-                <a16:creationId xmlns:a16="http://schemas.microsoft.com/office/drawing/2014/main" id="{74012EBD-93AE-B8EA-8622-41BC59BB9A7A}"/>
-              </a:ext>
-            </a:extLst>
-          </p:cNvPr>
-          <p:cNvSpPr txBox="1"/>
-          <p:nvPr/>
-        </p:nvSpPr>
-        <p:spPr>
-          <a:xfrm>
-            <a:off x="3728410" y="4239182"/>
-            <a:ext cx="1934146" cy="523220"/>
-          </a:xfrm>
-          <a:prstGeom prst="rect">
-            <a:avLst/>
-          </a:prstGeom>
-          <a:noFill/>
-        </p:spPr>
-        <p:txBody>
-          <a:bodyPr wrap="square">
-            <a:spAutoFit/>
-          </a:bodyPr>
-          <a:lstStyle/>
-          <a:p>
-            <a:pPr algn="ctr"/>
-            <a:r>
-              <a:rPr lang="en-GB" sz="2800" b="1" dirty="0">
-                <a:latin typeface="Arial" panose="020B0604020202020204" pitchFamily="34" charset="0"/>
-                <a:cs typeface="Arial" panose="020B0604020202020204" pitchFamily="34" charset="0"/>
-              </a:rPr>
-              <a:t>Principal</a:t>
-            </a:r>
-          </a:p>
-        </p:txBody>
-      </p:sp>
-      <p:sp>
-        <p:nvSpPr>
-          <p:cNvPr id="19" name="TextBox 18">
-            <a:extLst>
-              <a:ext uri="{FF2B5EF4-FFF2-40B4-BE49-F238E27FC236}">
-                <a16:creationId xmlns:a16="http://schemas.microsoft.com/office/drawing/2014/main" id="{04D94C3C-189B-4ACE-743A-6DFF5DA44C0F}"/>
-              </a:ext>
-            </a:extLst>
-          </p:cNvPr>
-          <p:cNvSpPr txBox="1"/>
-          <p:nvPr/>
-        </p:nvSpPr>
-        <p:spPr>
-          <a:xfrm>
-            <a:off x="6448008" y="4239182"/>
-            <a:ext cx="1745974" cy="523220"/>
-          </a:xfrm>
-          <a:prstGeom prst="rect">
-            <a:avLst/>
-          </a:prstGeom>
-          <a:noFill/>
-        </p:spPr>
-        <p:txBody>
-          <a:bodyPr wrap="square">
-            <a:spAutoFit/>
-          </a:bodyPr>
-          <a:lstStyle/>
-          <a:p>
-            <a:r>
-              <a:rPr lang="en-GB" sz="2800" b="1" dirty="0">
-                <a:latin typeface="Arial" panose="020B0604020202020204" pitchFamily="34" charset="0"/>
-                <a:cs typeface="Arial" panose="020B0604020202020204" pitchFamily="34" charset="0"/>
-              </a:rPr>
-              <a:t>Teachers</a:t>
-            </a:r>
-          </a:p>
-        </p:txBody>
-      </p:sp>
-      <p:sp>
-        <p:nvSpPr>
-          <p:cNvPr id="20" name="TextBox 19">
-            <a:extLst>
-              <a:ext uri="{FF2B5EF4-FFF2-40B4-BE49-F238E27FC236}">
-                <a16:creationId xmlns:a16="http://schemas.microsoft.com/office/drawing/2014/main" id="{0A85991C-9F30-B4BB-3D72-CB5C39F85728}"/>
-              </a:ext>
-            </a:extLst>
-          </p:cNvPr>
-          <p:cNvSpPr txBox="1"/>
-          <p:nvPr/>
-        </p:nvSpPr>
-        <p:spPr>
-          <a:xfrm>
-            <a:off x="9067796" y="4267959"/>
-            <a:ext cx="1487557" cy="523220"/>
-          </a:xfrm>
-          <a:prstGeom prst="rect">
-            <a:avLst/>
-          </a:prstGeom>
-          <a:noFill/>
-        </p:spPr>
-        <p:txBody>
-          <a:bodyPr wrap="square">
-            <a:spAutoFit/>
-          </a:bodyPr>
-          <a:lstStyle/>
-          <a:p>
-            <a:r>
-              <a:rPr lang="en-GB" sz="2800" b="1" dirty="0">
-                <a:latin typeface="Arial" panose="020B0604020202020204" pitchFamily="34" charset="0"/>
-                <a:cs typeface="Arial" panose="020B0604020202020204" pitchFamily="34" charset="0"/>
-              </a:rPr>
-              <a:t>Admin</a:t>
-            </a:r>
-          </a:p>
-        </p:txBody>
-      </p:sp>
     </p:spTree>
     <p:extLst>
       <p:ext uri="{BB962C8B-B14F-4D97-AF65-F5344CB8AC3E}">
-        <p14:creationId xmlns:p14="http://schemas.microsoft.com/office/powerpoint/2010/main" val="1041140363"/>
+        <p14:creationId xmlns:p14="http://schemas.microsoft.com/office/powerpoint/2010/main" val="145528813"/>
       </p:ext>
     </p:extLst>
   </p:cSld>
@@ -6883,7 +6808,7 @@
           <a:p>
             <a:r>
               <a:rPr lang="en-IN" dirty="0"/>
-              <a:t>4. Literature Survey.</a:t>
+              <a:t>5. Proposed Solution</a:t>
             </a:r>
           </a:p>
         </p:txBody>
@@ -6900,44 +6825,198 @@
         </p:nvSpPr>
         <p:spPr>
           <a:xfrm>
-            <a:off x="838200" y="1323833"/>
-            <a:ext cx="10515600" cy="4853130"/>
+            <a:off x="563217" y="1157149"/>
+            <a:ext cx="11065565" cy="5208104"/>
           </a:xfrm>
         </p:spPr>
         <p:txBody>
           <a:bodyPr>
-            <a:normAutofit/>
+            <a:normAutofit fontScale="92500" lnSpcReduction="10000"/>
           </a:bodyPr>
           <a:lstStyle/>
+          <a:p>
+            <a:pPr algn="just"/>
+            <a:r>
+              <a:rPr lang="en-GB" sz="2400" dirty="0"/>
+              <a:t>Our proposed solution consist of a </a:t>
+            </a:r>
+            <a:r>
+              <a:rPr lang="en-GB" sz="2400" b="1" dirty="0"/>
+              <a:t>website</a:t>
+            </a:r>
+            <a:r>
+              <a:rPr lang="en-GB" sz="2400" dirty="0"/>
+              <a:t> where the students are able to give feedback for faculties, seminar &amp; workshops, Add-on, VAP and to fill the course exit survey. </a:t>
+            </a:r>
+          </a:p>
+          <a:p>
+            <a:pPr algn="just"/>
+            <a:r>
+              <a:rPr lang="en-GB" sz="2400" dirty="0"/>
+              <a:t>All the stakeholders are provided with their </a:t>
+            </a:r>
+            <a:r>
+              <a:rPr lang="en-GB" sz="2400" b="1" dirty="0"/>
+              <a:t>credentials</a:t>
+            </a:r>
+            <a:r>
+              <a:rPr lang="en-GB" sz="2400" dirty="0"/>
+              <a:t> where students are provided with the facility to login anonymously for faculty feedback.</a:t>
+            </a:r>
+          </a:p>
           <a:p>
             <a:pPr algn="just">
               <a:lnSpc>
-                <a:spcPct val="110000"/>
+                <a:spcPct val="100000"/>
               </a:lnSpc>
             </a:pPr>
             <a:r>
-              <a:rPr lang="en-GB" dirty="0"/>
-              <a:t>Student Feedback Management System for evaluation and generate semester-wise reports [1].</a:t>
+              <a:rPr lang="en-IN" sz="2400" dirty="0"/>
+              <a:t>Teacher will be able </a:t>
+            </a:r>
+            <a:r>
+              <a:rPr lang="en-IN" sz="2400" b="1" dirty="0"/>
+              <a:t>create questions </a:t>
+            </a:r>
+            <a:r>
+              <a:rPr lang="en-IN" sz="2400" dirty="0"/>
+              <a:t>for feedback.</a:t>
             </a:r>
           </a:p>
           <a:p>
             <a:pPr algn="just">
               <a:lnSpc>
-                <a:spcPct val="110000"/>
+                <a:spcPct val="100000"/>
               </a:lnSpc>
             </a:pPr>
             <a:r>
-              <a:rPr lang="en-GB" dirty="0"/>
-              <a:t>We have developed a student feedback system to provide feedback in a quick and easy manner to the particular department [2].</a:t>
+              <a:rPr lang="en-IN" sz="2400" dirty="0"/>
+              <a:t>Different types of </a:t>
+            </a:r>
+            <a:r>
+              <a:rPr lang="en-IN" sz="2400" b="1" dirty="0"/>
+              <a:t>answering modes </a:t>
+            </a:r>
+            <a:r>
+              <a:rPr lang="en-IN" sz="2400" dirty="0"/>
+              <a:t>available (MAQs, MCQs, One-line, etc).</a:t>
             </a:r>
           </a:p>
           <a:p>
             <a:pPr algn="just">
               <a:lnSpc>
-                <a:spcPct val="110000"/>
+                <a:spcPct val="100000"/>
               </a:lnSpc>
             </a:pPr>
-            <a:endParaRPr lang="en-GB" dirty="0"/>
+            <a:r>
+              <a:rPr lang="en-IN" sz="2400" b="1" dirty="0"/>
+              <a:t>Anonymous attempts </a:t>
+            </a:r>
+            <a:r>
+              <a:rPr lang="en-IN" sz="2400" dirty="0"/>
+              <a:t>of feedback form.</a:t>
+            </a:r>
+          </a:p>
+          <a:p>
+            <a:pPr algn="just">
+              <a:lnSpc>
+                <a:spcPct val="100000"/>
+              </a:lnSpc>
+            </a:pPr>
+            <a:r>
+              <a:rPr lang="en-IN" sz="2400" dirty="0"/>
+              <a:t>Different types of </a:t>
+            </a:r>
+            <a:r>
+              <a:rPr lang="en-IN" sz="2400" b="1" dirty="0"/>
+              <a:t>formats present </a:t>
+            </a:r>
+            <a:r>
+              <a:rPr lang="en-IN" sz="2400" dirty="0"/>
+              <a:t>for </a:t>
+            </a:r>
+            <a:r>
+              <a:rPr lang="en-IN" sz="2400" b="1" dirty="0"/>
+              <a:t>displaying data </a:t>
+            </a:r>
+            <a:r>
+              <a:rPr lang="en-IN" sz="2400" dirty="0"/>
+              <a:t>collected from responses.</a:t>
+            </a:r>
+          </a:p>
+          <a:p>
+            <a:pPr algn="just">
+              <a:lnSpc>
+                <a:spcPct val="100000"/>
+              </a:lnSpc>
+            </a:pPr>
+            <a:r>
+              <a:rPr lang="en-IN" sz="2400" dirty="0"/>
+              <a:t>Suggestions to teachers for improvements.</a:t>
+            </a:r>
+          </a:p>
+          <a:p>
+            <a:pPr algn="just">
+              <a:lnSpc>
+                <a:spcPct val="100000"/>
+              </a:lnSpc>
+            </a:pPr>
+            <a:r>
+              <a:rPr lang="en-IN" sz="2400" dirty="0"/>
+              <a:t>Different types of feedback forms present:</a:t>
+            </a:r>
+          </a:p>
+          <a:p>
+            <a:pPr marL="914400" lvl="1" indent="-457200" algn="just">
+              <a:lnSpc>
+                <a:spcPct val="100000"/>
+              </a:lnSpc>
+              <a:buFont typeface="+mj-lt"/>
+              <a:buAutoNum type="arabicPeriod"/>
+            </a:pPr>
+            <a:r>
+              <a:rPr lang="en-IN" sz="2000" dirty="0"/>
+              <a:t>Academic feedback</a:t>
+            </a:r>
+          </a:p>
+          <a:p>
+            <a:pPr marL="914400" lvl="1" indent="-457200" algn="just">
+              <a:lnSpc>
+                <a:spcPct val="100000"/>
+              </a:lnSpc>
+              <a:buFont typeface="+mj-lt"/>
+              <a:buAutoNum type="arabicPeriod"/>
+            </a:pPr>
+            <a:r>
+              <a:rPr lang="en-IN" sz="2000" dirty="0"/>
+              <a:t>Course Exit Survey</a:t>
+            </a:r>
+          </a:p>
+          <a:p>
+            <a:pPr marL="914400" lvl="1" indent="-457200" algn="just">
+              <a:lnSpc>
+                <a:spcPct val="100000"/>
+              </a:lnSpc>
+              <a:buFont typeface="+mj-lt"/>
+              <a:buAutoNum type="arabicPeriod"/>
+            </a:pPr>
+            <a:r>
+              <a:rPr lang="en-IN" sz="2000" dirty="0"/>
+              <a:t>Add On, VAP feedback</a:t>
+            </a:r>
+          </a:p>
+          <a:p>
+            <a:pPr marL="914400" lvl="1" indent="-457200" algn="just">
+              <a:lnSpc>
+                <a:spcPct val="100000"/>
+              </a:lnSpc>
+              <a:buFont typeface="+mj-lt"/>
+              <a:buAutoNum type="arabicPeriod"/>
+            </a:pPr>
+            <a:r>
+              <a:rPr lang="en-IN" sz="2000" dirty="0"/>
+              <a:t>Workshops and Seminars feedbacks</a:t>
+            </a:r>
           </a:p>
         </p:txBody>
       </p:sp>
@@ -6958,7 +7037,7 @@
           <a:p>
             <a:fld id="{04ADB005-2E3D-41BC-9D73-934276C3D2AB}" type="datetime1">
               <a:rPr lang="en-IN" smtClean="0"/>
-              <a:t>10-10-2022</a:t>
+              <a:t>16-03-2023</a:t>
             </a:fld>
             <a:endParaRPr lang="en-IN"/>
           </a:p>
@@ -6981,7 +7060,7 @@
           <a:p>
             <a:r>
               <a:rPr lang="en-IN" dirty="0"/>
-              <a:t>Student Feedback System</a:t>
+              <a:t>Feedback System</a:t>
             </a:r>
           </a:p>
         </p:txBody>
@@ -7012,7 +7091,7 @@
     </p:spTree>
     <p:extLst>
       <p:ext uri="{BB962C8B-B14F-4D97-AF65-F5344CB8AC3E}">
-        <p14:creationId xmlns:p14="http://schemas.microsoft.com/office/powerpoint/2010/main" val="145528813"/>
+        <p14:creationId xmlns:p14="http://schemas.microsoft.com/office/powerpoint/2010/main" val="2069815684"/>
       </p:ext>
     </p:extLst>
   </p:cSld>
@@ -7049,223 +7128,21 @@
             <p:ph type="title"/>
           </p:nvPr>
         </p:nvSpPr>
-        <p:spPr/>
+        <p:spPr>
+          <a:xfrm>
+            <a:off x="0" y="91455"/>
+            <a:ext cx="11204812" cy="885371"/>
+          </a:xfrm>
+        </p:spPr>
         <p:txBody>
           <a:bodyPr>
-            <a:normAutofit/>
+            <a:normAutofit fontScale="90000"/>
           </a:bodyPr>
           <a:lstStyle/>
           <a:p>
             <a:r>
               <a:rPr lang="en-IN" dirty="0"/>
-              <a:t>5. Proposed Solution</a:t>
-            </a:r>
-          </a:p>
-        </p:txBody>
-      </p:sp>
-      <p:sp>
-        <p:nvSpPr>
-          <p:cNvPr id="3" name="Content Placeholder 2"/>
-          <p:cNvSpPr>
-            <a:spLocks noGrp="1"/>
-          </p:cNvSpPr>
-          <p:nvPr>
-            <p:ph idx="1"/>
-          </p:nvPr>
-        </p:nvSpPr>
-        <p:spPr>
-          <a:xfrm>
-            <a:off x="563217" y="1157149"/>
-            <a:ext cx="11065565" cy="5208104"/>
-          </a:xfrm>
-        </p:spPr>
-        <p:txBody>
-          <a:bodyPr>
-            <a:normAutofit fontScale="92500" lnSpcReduction="10000"/>
-          </a:bodyPr>
-          <a:lstStyle/>
-          <a:p>
-            <a:pPr algn="just"/>
-            <a:r>
-              <a:rPr lang="en-GB" sz="2400" dirty="0"/>
-              <a:t>Our proposed solution consist of a </a:t>
-            </a:r>
-            <a:r>
-              <a:rPr lang="en-GB" sz="2400" b="1" dirty="0"/>
-              <a:t>website</a:t>
-            </a:r>
-            <a:r>
-              <a:rPr lang="en-GB" sz="2400" dirty="0"/>
-              <a:t> where the students are able to give feedback for faculties, seminar &amp; workshops, Add-on, VAP and to fill the course exit survey. </a:t>
-            </a:r>
-          </a:p>
-          <a:p>
-            <a:pPr algn="just"/>
-            <a:r>
-              <a:rPr lang="en-GB" sz="2400" dirty="0"/>
-              <a:t>All the stakeholders are provided with their </a:t>
-            </a:r>
-            <a:r>
-              <a:rPr lang="en-GB" sz="2400" b="1" dirty="0"/>
-              <a:t>credentials</a:t>
-            </a:r>
-            <a:r>
-              <a:rPr lang="en-GB" sz="2400" dirty="0"/>
-              <a:t> where students are provided with the facility to login anonymously for faculty feedback.</a:t>
-            </a:r>
-          </a:p>
-          <a:p>
-            <a:pPr algn="just">
-              <a:lnSpc>
-                <a:spcPct val="100000"/>
-              </a:lnSpc>
-            </a:pPr>
-            <a:r>
-              <a:rPr lang="en-IN" sz="2400" dirty="0"/>
-              <a:t>Teacher will be able </a:t>
-            </a:r>
-            <a:r>
-              <a:rPr lang="en-IN" sz="2400" b="1" dirty="0"/>
-              <a:t>create questions </a:t>
-            </a:r>
-            <a:r>
-              <a:rPr lang="en-IN" sz="2400" dirty="0"/>
-              <a:t>for feedback.</a:t>
-            </a:r>
-          </a:p>
-          <a:p>
-            <a:pPr algn="just">
-              <a:lnSpc>
-                <a:spcPct val="100000"/>
-              </a:lnSpc>
-            </a:pPr>
-            <a:r>
-              <a:rPr lang="en-IN" sz="2400" dirty="0"/>
-              <a:t>Different types of </a:t>
-            </a:r>
-            <a:r>
-              <a:rPr lang="en-IN" sz="2400" b="1" dirty="0"/>
-              <a:t>answering modes </a:t>
-            </a:r>
-            <a:r>
-              <a:rPr lang="en-IN" sz="2400" dirty="0"/>
-              <a:t>available (MAQs, MCQs, One-line, etc).</a:t>
-            </a:r>
-          </a:p>
-          <a:p>
-            <a:pPr algn="just">
-              <a:lnSpc>
-                <a:spcPct val="100000"/>
-              </a:lnSpc>
-            </a:pPr>
-            <a:r>
-              <a:rPr lang="en-IN" sz="2400" b="1" dirty="0"/>
-              <a:t>Anonymous attempts </a:t>
-            </a:r>
-            <a:r>
-              <a:rPr lang="en-IN" sz="2400" dirty="0"/>
-              <a:t>of feedback form.</a:t>
-            </a:r>
-          </a:p>
-          <a:p>
-            <a:pPr algn="just">
-              <a:lnSpc>
-                <a:spcPct val="100000"/>
-              </a:lnSpc>
-            </a:pPr>
-            <a:r>
-              <a:rPr lang="en-IN" sz="2400" dirty="0"/>
-              <a:t>Different types of </a:t>
-            </a:r>
-            <a:r>
-              <a:rPr lang="en-IN" sz="2400" b="1" dirty="0"/>
-              <a:t>formats present </a:t>
-            </a:r>
-            <a:r>
-              <a:rPr lang="en-IN" sz="2400" dirty="0"/>
-              <a:t>for </a:t>
-            </a:r>
-            <a:r>
-              <a:rPr lang="en-IN" sz="2400" b="1" dirty="0"/>
-              <a:t>displaying data </a:t>
-            </a:r>
-            <a:r>
-              <a:rPr lang="en-IN" sz="2400" dirty="0"/>
-              <a:t>collected from responses.</a:t>
-            </a:r>
-          </a:p>
-          <a:p>
-            <a:pPr algn="just">
-              <a:lnSpc>
-                <a:spcPct val="100000"/>
-              </a:lnSpc>
-            </a:pPr>
-            <a:r>
-              <a:rPr lang="en-IN" sz="2400" dirty="0"/>
-              <a:t>Suggestions to teachers for improvements.</a:t>
-            </a:r>
-          </a:p>
-          <a:p>
-            <a:pPr algn="just">
-              <a:lnSpc>
-                <a:spcPct val="100000"/>
-              </a:lnSpc>
-            </a:pPr>
-            <a:r>
-              <a:rPr lang="en-IN" sz="2400" dirty="0"/>
-              <a:t>Different types of feedback forms present:</a:t>
-            </a:r>
-          </a:p>
-          <a:p>
-            <a:pPr marL="914400" lvl="1" indent="-457200" algn="just">
-              <a:lnSpc>
-                <a:spcPct val="100000"/>
-              </a:lnSpc>
-              <a:buFont typeface="+mj-lt"/>
-              <a:buAutoNum type="arabicPeriod"/>
-            </a:pPr>
-            <a:r>
-              <a:rPr lang="en-IN" sz="2000" dirty="0"/>
-              <a:t>Academic feedback</a:t>
-            </a:r>
-          </a:p>
-          <a:p>
-            <a:pPr marL="914400" lvl="1" indent="-457200" algn="just">
-              <a:lnSpc>
-                <a:spcPct val="100000"/>
-              </a:lnSpc>
-              <a:buFont typeface="+mj-lt"/>
-              <a:buAutoNum type="arabicPeriod"/>
-            </a:pPr>
-            <a:r>
-              <a:rPr lang="en-IN" sz="2000" dirty="0"/>
-              <a:t>Course Exit Survey</a:t>
-            </a:r>
-          </a:p>
-          <a:p>
-            <a:pPr marL="914400" lvl="1" indent="-457200" algn="just">
-              <a:lnSpc>
-                <a:spcPct val="100000"/>
-              </a:lnSpc>
-              <a:buFont typeface="+mj-lt"/>
-              <a:buAutoNum type="arabicPeriod"/>
-            </a:pPr>
-            <a:r>
-              <a:rPr lang="en-IN" sz="2000" dirty="0"/>
-              <a:t>Add On, VAP feedback</a:t>
-            </a:r>
-          </a:p>
-          <a:p>
-            <a:pPr marL="914400" lvl="1" indent="-457200" algn="just">
-              <a:lnSpc>
-                <a:spcPct val="100000"/>
-              </a:lnSpc>
-              <a:buFont typeface="+mj-lt"/>
-              <a:buAutoNum type="arabicPeriod"/>
-            </a:pPr>
-            <a:r>
-              <a:rPr lang="en-IN" sz="2000" dirty="0"/>
-              <a:t>Workshops and Seminars feedbacks</a:t>
+              <a:t>6. Expected Outcome/Results/Snapshots of Projects</a:t>
             </a:r>
           </a:p>
         </p:txBody>
@@ -7287,7 +7164,7 @@
           <a:p>
             <a:fld id="{04ADB005-2E3D-41BC-9D73-934276C3D2AB}" type="datetime1">
               <a:rPr lang="en-IN" smtClean="0"/>
-              <a:t>10-10-2022</a:t>
+              <a:t>16-03-2023</a:t>
             </a:fld>
             <a:endParaRPr lang="en-IN"/>
           </a:p>
@@ -7310,7 +7187,7 @@
           <a:p>
             <a:r>
               <a:rPr lang="en-IN" dirty="0"/>
-              <a:t>Student Feedback System</a:t>
+              <a:t>Feedback System</a:t>
             </a:r>
           </a:p>
         </p:txBody>
@@ -7338,10 +7215,104 @@
           </a:p>
         </p:txBody>
       </p:sp>
+      <p:pic>
+        <p:nvPicPr>
+          <p:cNvPr id="1030" name="Picture 6">
+            <a:extLst>
+              <a:ext uri="{FF2B5EF4-FFF2-40B4-BE49-F238E27FC236}">
+                <a16:creationId xmlns:a16="http://schemas.microsoft.com/office/drawing/2014/main" id="{1CCE418D-1841-AEF0-82C4-F71616292BB3}"/>
+              </a:ext>
+            </a:extLst>
+          </p:cNvPr>
+          <p:cNvPicPr>
+            <a:picLocks noChangeAspect="1" noChangeArrowheads="1"/>
+          </p:cNvPicPr>
+          <p:nvPr/>
+        </p:nvPicPr>
+        <p:blipFill>
+          <a:blip r:embed="rId2" cstate="print">
+            <a:extLst>
+              <a:ext uri="{28A0092B-C50C-407E-A947-70E740481C1C}">
+                <a14:useLocalDpi xmlns:a14="http://schemas.microsoft.com/office/drawing/2010/main" val="0"/>
+              </a:ext>
+            </a:extLst>
+          </a:blip>
+          <a:srcRect/>
+          <a:stretch>
+            <a:fillRect/>
+          </a:stretch>
+        </p:blipFill>
+        <p:spPr bwMode="auto">
+          <a:xfrm>
+            <a:off x="838200" y="1039812"/>
+            <a:ext cx="4086225" cy="5581650"/>
+          </a:xfrm>
+          <a:prstGeom prst="rect">
+            <a:avLst/>
+          </a:prstGeom>
+          <a:noFill/>
+          <a:extLst>
+            <a:ext uri="{909E8E84-426E-40DD-AFC4-6F175D3DCCD1}">
+              <a14:hiddenFill xmlns:a14="http://schemas.microsoft.com/office/drawing/2010/main">
+                <a:solidFill>
+                  <a:srgbClr val="FFFFFF"/>
+                </a:solidFill>
+              </a14:hiddenFill>
+            </a:ext>
+          </a:extLst>
+        </p:spPr>
+      </p:pic>
+      <p:pic>
+        <p:nvPicPr>
+          <p:cNvPr id="1032" name="Picture 8">
+            <a:extLst>
+              <a:ext uri="{FF2B5EF4-FFF2-40B4-BE49-F238E27FC236}">
+                <a16:creationId xmlns:a16="http://schemas.microsoft.com/office/drawing/2014/main" id="{BABC5DBF-1130-77DF-27C5-7E92CCACA7E2}"/>
+              </a:ext>
+            </a:extLst>
+          </p:cNvPr>
+          <p:cNvPicPr>
+            <a:picLocks noChangeAspect="1" noChangeArrowheads="1"/>
+          </p:cNvPicPr>
+          <p:nvPr/>
+        </p:nvPicPr>
+        <p:blipFill>
+          <a:blip r:embed="rId3" cstate="print">
+            <a:extLst>
+              <a:ext uri="{28A0092B-C50C-407E-A947-70E740481C1C}">
+                <a14:useLocalDpi xmlns:a14="http://schemas.microsoft.com/office/drawing/2010/main" val="0"/>
+              </a:ext>
+            </a:extLst>
+          </a:blip>
+          <a:srcRect/>
+          <a:stretch>
+            <a:fillRect/>
+          </a:stretch>
+        </p:blipFill>
+        <p:spPr bwMode="auto">
+          <a:xfrm>
+            <a:off x="5648326" y="1825625"/>
+            <a:ext cx="4781550" cy="4010025"/>
+          </a:xfrm>
+          <a:prstGeom prst="rect">
+            <a:avLst/>
+          </a:prstGeom>
+          <a:noFill/>
+          <a:extLst>
+            <a:ext uri="{909E8E84-426E-40DD-AFC4-6F175D3DCCD1}">
+              <a14:hiddenFill xmlns:a14="http://schemas.microsoft.com/office/drawing/2010/main">
+                <a:solidFill>
+                  <a:srgbClr val="FFFFFF"/>
+                </a:solidFill>
+              </a14:hiddenFill>
+            </a:ext>
+          </a:extLst>
+        </p:spPr>
+      </p:pic>
     </p:spTree>
     <p:extLst>
       <p:ext uri="{BB962C8B-B14F-4D97-AF65-F5344CB8AC3E}">
-        <p14:creationId xmlns:p14="http://schemas.microsoft.com/office/powerpoint/2010/main" val="2069815684"/>
+        <p14:creationId xmlns:p14="http://schemas.microsoft.com/office/powerpoint/2010/main" val="171034115"/>
       </p:ext>
     </p:extLst>
   </p:cSld>
@@ -7397,113 +7368,174 @@
           </a:p>
         </p:txBody>
       </p:sp>
+      <p:sp>
+        <p:nvSpPr>
+          <p:cNvPr id="4" name="Date Placeholder 3"/>
+          <p:cNvSpPr>
+            <a:spLocks noGrp="1"/>
+          </p:cNvSpPr>
+          <p:nvPr>
+            <p:ph type="dt" sz="half" idx="10"/>
+          </p:nvPr>
+        </p:nvSpPr>
+        <p:spPr/>
+        <p:txBody>
+          <a:bodyPr/>
+          <a:lstStyle/>
+          <a:p>
+            <a:fld id="{04ADB005-2E3D-41BC-9D73-934276C3D2AB}" type="datetime1">
+              <a:rPr lang="en-IN" smtClean="0"/>
+              <a:t>16-03-2023</a:t>
+            </a:fld>
+            <a:endParaRPr lang="en-IN"/>
+          </a:p>
+        </p:txBody>
+      </p:sp>
+      <p:sp>
+        <p:nvSpPr>
+          <p:cNvPr id="5" name="Footer Placeholder 4"/>
+          <p:cNvSpPr>
+            <a:spLocks noGrp="1"/>
+          </p:cNvSpPr>
+          <p:nvPr>
+            <p:ph type="ftr" sz="quarter" idx="11"/>
+          </p:nvPr>
+        </p:nvSpPr>
+        <p:spPr/>
+        <p:txBody>
+          <a:bodyPr/>
+          <a:lstStyle/>
+          <a:p>
+            <a:r>
+              <a:rPr lang="en-IN" dirty="0"/>
+              <a:t>Feedback System</a:t>
+            </a:r>
+          </a:p>
+        </p:txBody>
+      </p:sp>
+      <p:sp>
+        <p:nvSpPr>
+          <p:cNvPr id="6" name="Slide Number Placeholder 5"/>
+          <p:cNvSpPr>
+            <a:spLocks noGrp="1"/>
+          </p:cNvSpPr>
+          <p:nvPr>
+            <p:ph type="sldNum" sz="quarter" idx="12"/>
+          </p:nvPr>
+        </p:nvSpPr>
+        <p:spPr/>
+        <p:txBody>
+          <a:bodyPr/>
+          <a:lstStyle/>
+          <a:p>
+            <a:fld id="{1DEB9025-8623-43DC-835C-CC7482BE7300}" type="slidenum">
+              <a:rPr lang="en-IN" smtClean="0"/>
+              <a:t>9</a:t>
+            </a:fld>
+            <a:endParaRPr lang="en-IN"/>
+          </a:p>
+        </p:txBody>
+      </p:sp>
       <p:pic>
         <p:nvPicPr>
-          <p:cNvPr id="8" name="Content Placeholder 7">
+          <p:cNvPr id="1026" name="Picture 2">
             <a:extLst>
               <a:ext uri="{FF2B5EF4-FFF2-40B4-BE49-F238E27FC236}">
-                <a16:creationId xmlns:a16="http://schemas.microsoft.com/office/drawing/2014/main" id="{9EAADCAE-4103-4B51-5025-9A1CDA09F1E9}"/>
+                <a16:creationId xmlns:a16="http://schemas.microsoft.com/office/drawing/2014/main" id="{4191A873-7E18-12FF-0174-C628061C6646}"/>
               </a:ext>
             </a:extLst>
           </p:cNvPr>
           <p:cNvPicPr>
-            <a:picLocks noGrp="1" noChangeAspect="1"/>
+            <a:picLocks noGrp="1" noChangeAspect="1" noChangeArrowheads="1"/>
           </p:cNvPicPr>
           <p:nvPr>
             <p:ph idx="1"/>
           </p:nvPr>
         </p:nvPicPr>
         <p:blipFill>
-          <a:blip r:embed="rId2">
+          <a:blip r:embed="rId2" cstate="print">
             <a:extLst>
               <a:ext uri="{28A0092B-C50C-407E-A947-70E740481C1C}">
                 <a14:useLocalDpi xmlns:a14="http://schemas.microsoft.com/office/drawing/2010/main" val="0"/>
               </a:ext>
             </a:extLst>
           </a:blip>
+          <a:srcRect/>
           <a:stretch>
             <a:fillRect/>
           </a:stretch>
         </p:blipFill>
-        <p:spPr>
-          <a:xfrm>
-            <a:off x="2989407" y="1434746"/>
-            <a:ext cx="6213185" cy="4463683"/>
-          </a:xfrm>
+        <p:spPr bwMode="auto">
+          <a:xfrm>
+            <a:off x="6361328" y="1490919"/>
+            <a:ext cx="5203393" cy="4351338"/>
+          </a:xfrm>
+          <a:prstGeom prst="rect">
+            <a:avLst/>
+          </a:prstGeom>
+          <a:noFill/>
+          <a:extLst>
+            <a:ext uri="{909E8E84-426E-40DD-AFC4-6F175D3DCCD1}">
+              <a14:hiddenFill xmlns:a14="http://schemas.microsoft.com/office/drawing/2010/main">
+                <a:solidFill>
+                  <a:srgbClr val="FFFFFF"/>
+                </a:solidFill>
+              </a14:hiddenFill>
+            </a:ext>
+          </a:extLst>
         </p:spPr>
       </p:pic>
-      <p:sp>
-        <p:nvSpPr>
-          <p:cNvPr id="4" name="Date Placeholder 3"/>
-          <p:cNvSpPr>
-            <a:spLocks noGrp="1"/>
-          </p:cNvSpPr>
-          <p:nvPr>
-            <p:ph type="dt" sz="half" idx="10"/>
-          </p:nvPr>
-        </p:nvSpPr>
-        <p:spPr/>
-        <p:txBody>
-          <a:bodyPr/>
-          <a:lstStyle/>
-          <a:p>
-            <a:fld id="{04ADB005-2E3D-41BC-9D73-934276C3D2AB}" type="datetime1">
-              <a:rPr lang="en-IN" smtClean="0"/>
-              <a:t>10-10-2022</a:t>
-            </a:fld>
-            <a:endParaRPr lang="en-IN"/>
-          </a:p>
-        </p:txBody>
-      </p:sp>
-      <p:sp>
-        <p:nvSpPr>
-          <p:cNvPr id="5" name="Footer Placeholder 4"/>
-          <p:cNvSpPr>
-            <a:spLocks noGrp="1"/>
-          </p:cNvSpPr>
-          <p:nvPr>
-            <p:ph type="ftr" sz="quarter" idx="11"/>
-          </p:nvPr>
-        </p:nvSpPr>
-        <p:spPr/>
-        <p:txBody>
-          <a:bodyPr/>
-          <a:lstStyle/>
-          <a:p>
-            <a:r>
-              <a:rPr lang="en-IN" dirty="0"/>
-              <a:t>Student Feedback System</a:t>
-            </a:r>
-          </a:p>
-        </p:txBody>
-      </p:sp>
-      <p:sp>
-        <p:nvSpPr>
-          <p:cNvPr id="6" name="Slide Number Placeholder 5"/>
-          <p:cNvSpPr>
-            <a:spLocks noGrp="1"/>
-          </p:cNvSpPr>
-          <p:nvPr>
-            <p:ph type="sldNum" sz="quarter" idx="12"/>
-          </p:nvPr>
-        </p:nvSpPr>
-        <p:spPr/>
-        <p:txBody>
-          <a:bodyPr/>
-          <a:lstStyle/>
-          <a:p>
-            <a:fld id="{1DEB9025-8623-43DC-835C-CC7482BE7300}" type="slidenum">
-              <a:rPr lang="en-IN" smtClean="0"/>
-              <a:t>9</a:t>
-            </a:fld>
-            <a:endParaRPr lang="en-IN"/>
-          </a:p>
-        </p:txBody>
-      </p:sp>
+      <p:pic>
+        <p:nvPicPr>
+          <p:cNvPr id="1028" name="Picture 4">
+            <a:extLst>
+              <a:ext uri="{FF2B5EF4-FFF2-40B4-BE49-F238E27FC236}">
+                <a16:creationId xmlns:a16="http://schemas.microsoft.com/office/drawing/2014/main" id="{D0719441-34C7-86F5-4C09-4D8A7DD475D9}"/>
+              </a:ext>
+            </a:extLst>
+          </p:cNvPr>
+          <p:cNvPicPr>
+            <a:picLocks noChangeAspect="1" noChangeArrowheads="1"/>
+          </p:cNvPicPr>
+          <p:nvPr/>
+        </p:nvPicPr>
+        <p:blipFill>
+          <a:blip r:embed="rId3" cstate="print">
+            <a:extLst>
+              <a:ext uri="{28A0092B-C50C-407E-A947-70E740481C1C}">
+                <a14:useLocalDpi xmlns:a14="http://schemas.microsoft.com/office/drawing/2010/main" val="0"/>
+              </a:ext>
+            </a:extLst>
+          </a:blip>
+          <a:srcRect/>
+          <a:stretch>
+            <a:fillRect/>
+          </a:stretch>
+        </p:blipFill>
+        <p:spPr bwMode="auto">
+          <a:xfrm>
+            <a:off x="838200" y="1233488"/>
+            <a:ext cx="4714875" cy="5019675"/>
+          </a:xfrm>
+          <a:prstGeom prst="rect">
+            <a:avLst/>
+          </a:prstGeom>
+          <a:noFill/>
+          <a:extLst>
+            <a:ext uri="{909E8E84-426E-40DD-AFC4-6F175D3DCCD1}">
+              <a14:hiddenFill xmlns:a14="http://schemas.microsoft.com/office/drawing/2010/main">
+                <a:solidFill>
+                  <a:srgbClr val="FFFFFF"/>
+                </a:solidFill>
+              </a14:hiddenFill>
+            </a:ext>
+          </a:extLst>
+        </p:spPr>
+      </p:pic>
     </p:spTree>
     <p:extLst>
       <p:ext uri="{BB962C8B-B14F-4D97-AF65-F5344CB8AC3E}">
-        <p14:creationId xmlns:p14="http://schemas.microsoft.com/office/powerpoint/2010/main" val="171034115"/>
+        <p14:creationId xmlns:p14="http://schemas.microsoft.com/office/powerpoint/2010/main" val="3540129141"/>
       </p:ext>
     </p:extLst>
   </p:cSld>
